--- a/Projet5.pptx
+++ b/Projet5.pptx
@@ -9,10 +9,14 @@
     <p:sldId id="258" r:id="rId3"/>
     <p:sldId id="259" r:id="rId4"/>
     <p:sldId id="260" r:id="rId5"/>
-    <p:sldId id="261" r:id="rId6"/>
-    <p:sldId id="262" r:id="rId7"/>
-    <p:sldId id="263" r:id="rId8"/>
-    <p:sldId id="264" r:id="rId9"/>
+    <p:sldId id="265" r:id="rId6"/>
+    <p:sldId id="261" r:id="rId7"/>
+    <p:sldId id="266" r:id="rId8"/>
+    <p:sldId id="262" r:id="rId9"/>
+    <p:sldId id="263" r:id="rId10"/>
+    <p:sldId id="264" r:id="rId11"/>
+    <p:sldId id="267" r:id="rId12"/>
+    <p:sldId id="268" r:id="rId13"/>
   </p:sldIdLst>
   <p:sldSz cx="12192000" cy="6858000"/>
   <p:notesSz cx="6858000" cy="9144000"/>
@@ -111,6 +115,11 @@
       </a:defRPr>
     </a:lvl9pPr>
   </p:defaultTextStyle>
+  <p:extLst>
+    <p:ext uri="{EFAFB233-063F-42B5-8137-9DF3F51BA10A}">
+      <p15:sldGuideLst xmlns:p15="http://schemas.microsoft.com/office/powerpoint/2012/main"/>
+    </p:ext>
+  </p:extLst>
 </p:presentation>
 </file>
 
@@ -1313,26 +1322,26 @@
     </dgm:pt>
   </dgm:ptLst>
   <dgm:cxnLst>
+    <dgm:cxn modelId="{D2CED959-FD2F-48A0-95A2-E51F8CBAFEC6}" type="presOf" srcId="{9803849E-BA01-4D2D-90E4-F2CF1CEBDEC5}" destId="{2E1FE878-F89D-41F8-AF73-8370D8D7E75C}" srcOrd="0" destOrd="0" presId="urn:microsoft.com/office/officeart/2005/8/layout/list1"/>
+    <dgm:cxn modelId="{1DCF9689-3D52-4921-960F-8D59A77881F1}" srcId="{360EAED8-0C2C-4095-BECE-B987FDDD1799}" destId="{E65266E2-A02E-4D06-B5D9-3B130F25D797}" srcOrd="0" destOrd="0" parTransId="{4E024807-5487-4D7D-9B62-4CE4A888D819}" sibTransId="{D9885192-E9BD-4005-8A12-24EDB99EFF3B}"/>
     <dgm:cxn modelId="{2F42780C-B2F3-44DB-8B40-F220FDB2DE17}" srcId="{360EAED8-0C2C-4095-BECE-B987FDDD1799}" destId="{DF1FB6EA-2CA8-42BB-8EC6-57832AFA4870}" srcOrd="3" destOrd="0" parTransId="{D28B7FD4-8229-4AB9-9A6E-3BC53D65CF98}" sibTransId="{EF3E0F08-8B7F-4A24-87C6-FB368BE25F3F}"/>
+    <dgm:cxn modelId="{8FA97A1C-7428-4EA5-AC01-4D247E280E04}" type="presOf" srcId="{3636781F-A1B2-4DBF-90AD-78EBF64E4936}" destId="{5B7CF9B2-58D9-415A-8C5E-323D453E419C}" srcOrd="1" destOrd="0" presId="urn:microsoft.com/office/officeart/2005/8/layout/list1"/>
+    <dgm:cxn modelId="{45312A40-AA55-469B-B44F-8C589429EF53}" srcId="{9803849E-BA01-4D2D-90E4-F2CF1CEBDEC5}" destId="{3636781F-A1B2-4DBF-90AD-78EBF64E4936}" srcOrd="2" destOrd="0" parTransId="{3E2276BC-8A44-4825-8C84-D484990A49F0}" sibTransId="{717CEFA2-B250-4BBB-97CC-CF3E9098E849}"/>
+    <dgm:cxn modelId="{573EB2D5-1BC1-4C99-B7AB-972EC98332C6}" srcId="{9803849E-BA01-4D2D-90E4-F2CF1CEBDEC5}" destId="{AD00AE58-3341-4195-A451-E01724E60611}" srcOrd="1" destOrd="0" parTransId="{8369C8D5-A53D-4707-B6D4-E28C4D995135}" sibTransId="{70B28F5A-7EF6-41EC-B32C-67CFE7D1F956}"/>
+    <dgm:cxn modelId="{640C29CA-F1A4-4739-83B2-8DD4ADFEE0DB}" type="presOf" srcId="{AD00AE58-3341-4195-A451-E01724E60611}" destId="{EE95845C-87F2-4A42-B311-83F5876C289A}" srcOrd="1" destOrd="0" presId="urn:microsoft.com/office/officeart/2005/8/layout/list1"/>
+    <dgm:cxn modelId="{DEA64DCD-F4E8-4B33-9031-6F4D511B1AE4}" type="presOf" srcId="{DF1FB6EA-2CA8-42BB-8EC6-57832AFA4870}" destId="{0037B2E0-5683-40BC-B56C-B0BDABF44FD4}" srcOrd="0" destOrd="3" presId="urn:microsoft.com/office/officeart/2005/8/layout/list1"/>
+    <dgm:cxn modelId="{54BE30ED-C1D8-4DC4-8204-B1E83B42AF8D}" type="presOf" srcId="{7E4F2436-B49E-4C38-BF32-6C7438E585D0}" destId="{0037B2E0-5683-40BC-B56C-B0BDABF44FD4}" srcOrd="0" destOrd="1" presId="urn:microsoft.com/office/officeart/2005/8/layout/list1"/>
     <dgm:cxn modelId="{B9646910-5D6F-4E9E-8C9C-45EBC3082A5F}" type="presOf" srcId="{AD00AE58-3341-4195-A451-E01724E60611}" destId="{D6324DA0-9398-48C9-AD79-391994D91E6D}" srcOrd="0" destOrd="0" presId="urn:microsoft.com/office/officeart/2005/8/layout/list1"/>
-    <dgm:cxn modelId="{8FA97A1C-7428-4EA5-AC01-4D247E280E04}" type="presOf" srcId="{3636781F-A1B2-4DBF-90AD-78EBF64E4936}" destId="{5B7CF9B2-58D9-415A-8C5E-323D453E419C}" srcOrd="1" destOrd="0" presId="urn:microsoft.com/office/officeart/2005/8/layout/list1"/>
+    <dgm:cxn modelId="{70F130B0-A311-4543-8FFF-B68E2E1D35A8}" type="presOf" srcId="{360EAED8-0C2C-4095-BECE-B987FDDD1799}" destId="{85930CDB-DA6D-4066-B044-C6C4C7EF7B17}" srcOrd="1" destOrd="0" presId="urn:microsoft.com/office/officeart/2005/8/layout/list1"/>
+    <dgm:cxn modelId="{288A2D5D-423E-4E45-B478-AF912B7DFB75}" type="presOf" srcId="{F71701BE-4F22-4E51-939B-B92EB192F418}" destId="{0037B2E0-5683-40BC-B56C-B0BDABF44FD4}" srcOrd="0" destOrd="4" presId="urn:microsoft.com/office/officeart/2005/8/layout/list1"/>
+    <dgm:cxn modelId="{DABC3FC3-819A-4134-8C81-64FC24394C10}" type="presOf" srcId="{360EAED8-0C2C-4095-BECE-B987FDDD1799}" destId="{A94EDB34-C2BF-4171-96B7-2952D5760D60}" srcOrd="0" destOrd="0" presId="urn:microsoft.com/office/officeart/2005/8/layout/list1"/>
+    <dgm:cxn modelId="{B76D9B9D-94FE-4451-A57D-621B5FC6561F}" type="presOf" srcId="{3A7BAF8D-90D6-4D01-9460-BFF5E336B67A}" destId="{0037B2E0-5683-40BC-B56C-B0BDABF44FD4}" srcOrd="0" destOrd="2" presId="urn:microsoft.com/office/officeart/2005/8/layout/list1"/>
     <dgm:cxn modelId="{FC8CB527-C860-4990-AE2B-01A10F0C652A}" type="presOf" srcId="{E65266E2-A02E-4D06-B5D9-3B130F25D797}" destId="{0037B2E0-5683-40BC-B56C-B0BDABF44FD4}" srcOrd="0" destOrd="0" presId="urn:microsoft.com/office/officeart/2005/8/layout/list1"/>
-    <dgm:cxn modelId="{45312A40-AA55-469B-B44F-8C589429EF53}" srcId="{9803849E-BA01-4D2D-90E4-F2CF1CEBDEC5}" destId="{3636781F-A1B2-4DBF-90AD-78EBF64E4936}" srcOrd="2" destOrd="0" parTransId="{3E2276BC-8A44-4825-8C84-D484990A49F0}" sibTransId="{717CEFA2-B250-4BBB-97CC-CF3E9098E849}"/>
-    <dgm:cxn modelId="{288A2D5D-423E-4E45-B478-AF912B7DFB75}" type="presOf" srcId="{F71701BE-4F22-4E51-939B-B92EB192F418}" destId="{0037B2E0-5683-40BC-B56C-B0BDABF44FD4}" srcOrd="0" destOrd="4" presId="urn:microsoft.com/office/officeart/2005/8/layout/list1"/>
-    <dgm:cxn modelId="{522E5C5D-89D6-4777-94A5-5087C6F1E221}" srcId="{360EAED8-0C2C-4095-BECE-B987FDDD1799}" destId="{3A7BAF8D-90D6-4D01-9460-BFF5E336B67A}" srcOrd="2" destOrd="0" parTransId="{9347187A-44F6-4CA1-8C99-8A62E99A3FB0}" sibTransId="{71CF2CDA-8A9A-4E77-9DAB-9D4813FB5DA9}"/>
-    <dgm:cxn modelId="{D2CED959-FD2F-48A0-95A2-E51F8CBAFEC6}" type="presOf" srcId="{9803849E-BA01-4D2D-90E4-F2CF1CEBDEC5}" destId="{2E1FE878-F89D-41F8-AF73-8370D8D7E75C}" srcOrd="0" destOrd="0" presId="urn:microsoft.com/office/officeart/2005/8/layout/list1"/>
     <dgm:cxn modelId="{8AACFD5A-1387-4487-8F51-34582751CEA8}" type="presOf" srcId="{3636781F-A1B2-4DBF-90AD-78EBF64E4936}" destId="{94C2D15E-3E51-46DE-89AC-8C1698B58B8F}" srcOrd="0" destOrd="0" presId="urn:microsoft.com/office/officeart/2005/8/layout/list1"/>
     <dgm:cxn modelId="{2D174484-8B13-4DE8-BD31-D41DBBB60544}" srcId="{9803849E-BA01-4D2D-90E4-F2CF1CEBDEC5}" destId="{360EAED8-0C2C-4095-BECE-B987FDDD1799}" srcOrd="0" destOrd="0" parTransId="{63DD44D2-AE29-4DFE-BC15-359AD45E2950}" sibTransId="{6029B064-5318-46F7-BE55-664F2643C93E}"/>
-    <dgm:cxn modelId="{1DCF9689-3D52-4921-960F-8D59A77881F1}" srcId="{360EAED8-0C2C-4095-BECE-B987FDDD1799}" destId="{E65266E2-A02E-4D06-B5D9-3B130F25D797}" srcOrd="0" destOrd="0" parTransId="{4E024807-5487-4D7D-9B62-4CE4A888D819}" sibTransId="{D9885192-E9BD-4005-8A12-24EDB99EFF3B}"/>
     <dgm:cxn modelId="{9CF0179B-E0AF-401A-B6C0-261ABBA41BBA}" srcId="{360EAED8-0C2C-4095-BECE-B987FDDD1799}" destId="{F71701BE-4F22-4E51-939B-B92EB192F418}" srcOrd="4" destOrd="0" parTransId="{59005A0C-BC8C-442C-AFC1-AC0B5D457671}" sibTransId="{B3EDD76B-C516-419F-BB46-DD125280142E}"/>
-    <dgm:cxn modelId="{B76D9B9D-94FE-4451-A57D-621B5FC6561F}" type="presOf" srcId="{3A7BAF8D-90D6-4D01-9460-BFF5E336B67A}" destId="{0037B2E0-5683-40BC-B56C-B0BDABF44FD4}" srcOrd="0" destOrd="2" presId="urn:microsoft.com/office/officeart/2005/8/layout/list1"/>
-    <dgm:cxn modelId="{70F130B0-A311-4543-8FFF-B68E2E1D35A8}" type="presOf" srcId="{360EAED8-0C2C-4095-BECE-B987FDDD1799}" destId="{85930CDB-DA6D-4066-B044-C6C4C7EF7B17}" srcOrd="1" destOrd="0" presId="urn:microsoft.com/office/officeart/2005/8/layout/list1"/>
-    <dgm:cxn modelId="{DABC3FC3-819A-4134-8C81-64FC24394C10}" type="presOf" srcId="{360EAED8-0C2C-4095-BECE-B987FDDD1799}" destId="{A94EDB34-C2BF-4171-96B7-2952D5760D60}" srcOrd="0" destOrd="0" presId="urn:microsoft.com/office/officeart/2005/8/layout/list1"/>
-    <dgm:cxn modelId="{640C29CA-F1A4-4739-83B2-8DD4ADFEE0DB}" type="presOf" srcId="{AD00AE58-3341-4195-A451-E01724E60611}" destId="{EE95845C-87F2-4A42-B311-83F5876C289A}" srcOrd="1" destOrd="0" presId="urn:microsoft.com/office/officeart/2005/8/layout/list1"/>
-    <dgm:cxn modelId="{DEA64DCD-F4E8-4B33-9031-6F4D511B1AE4}" type="presOf" srcId="{DF1FB6EA-2CA8-42BB-8EC6-57832AFA4870}" destId="{0037B2E0-5683-40BC-B56C-B0BDABF44FD4}" srcOrd="0" destOrd="3" presId="urn:microsoft.com/office/officeart/2005/8/layout/list1"/>
-    <dgm:cxn modelId="{573EB2D5-1BC1-4C99-B7AB-972EC98332C6}" srcId="{9803849E-BA01-4D2D-90E4-F2CF1CEBDEC5}" destId="{AD00AE58-3341-4195-A451-E01724E60611}" srcOrd="1" destOrd="0" parTransId="{8369C8D5-A53D-4707-B6D4-E28C4D995135}" sibTransId="{70B28F5A-7EF6-41EC-B32C-67CFE7D1F956}"/>
+    <dgm:cxn modelId="{522E5C5D-89D6-4777-94A5-5087C6F1E221}" srcId="{360EAED8-0C2C-4095-BECE-B987FDDD1799}" destId="{3A7BAF8D-90D6-4D01-9460-BFF5E336B67A}" srcOrd="2" destOrd="0" parTransId="{9347187A-44F6-4CA1-8C99-8A62E99A3FB0}" sibTransId="{71CF2CDA-8A9A-4E77-9DAB-9D4813FB5DA9}"/>
     <dgm:cxn modelId="{607D48EC-F458-48CD-BC8A-C9D3CB907DDE}" srcId="{360EAED8-0C2C-4095-BECE-B987FDDD1799}" destId="{7E4F2436-B49E-4C38-BF32-6C7438E585D0}" srcOrd="1" destOrd="0" parTransId="{D7CC372A-DA79-41D5-B767-0F158B8B8A15}" sibTransId="{D4FEDDF5-AA1B-4F07-B9B5-9D876AFDF766}"/>
-    <dgm:cxn modelId="{54BE30ED-C1D8-4DC4-8204-B1E83B42AF8D}" type="presOf" srcId="{7E4F2436-B49E-4C38-BF32-6C7438E585D0}" destId="{0037B2E0-5683-40BC-B56C-B0BDABF44FD4}" srcOrd="0" destOrd="1" presId="urn:microsoft.com/office/officeart/2005/8/layout/list1"/>
     <dgm:cxn modelId="{3D759265-A8DC-4243-A67F-4EC1732686F8}" type="presParOf" srcId="{2E1FE878-F89D-41F8-AF73-8370D8D7E75C}" destId="{369D5F3C-9A99-4872-889F-9F44CACFBAAB}" srcOrd="0" destOrd="0" presId="urn:microsoft.com/office/officeart/2005/8/layout/list1"/>
     <dgm:cxn modelId="{4C69A546-5C85-4EC3-894C-DA6A67842F5B}" type="presParOf" srcId="{369D5F3C-9A99-4872-889F-9F44CACFBAAB}" destId="{A94EDB34-C2BF-4171-96B7-2952D5760D60}" srcOrd="0" destOrd="0" presId="urn:microsoft.com/office/officeart/2005/8/layout/list1"/>
     <dgm:cxn modelId="{7693698B-3265-41E1-A139-D7AD1CF2148A}" type="presParOf" srcId="{369D5F3C-9A99-4872-889F-9F44CACFBAAB}" destId="{85930CDB-DA6D-4066-B044-C6C4C7EF7B17}" srcOrd="1" destOrd="0" presId="urn:microsoft.com/office/officeart/2005/8/layout/list1"/>
@@ -3270,7 +3279,7 @@
           <a:p>
             <a:fld id="{EB817F27-EF44-41FD-ABB0-08B151A184AD}" type="datetimeFigureOut">
               <a:rPr lang="de-CH" smtClean="0"/>
-              <a:t>30.11.2018</a:t>
+              <a:t>04.12.2018</a:t>
             </a:fld>
             <a:endParaRPr lang="de-CH"/>
           </a:p>
@@ -3470,7 +3479,7 @@
           <a:p>
             <a:fld id="{EB817F27-EF44-41FD-ABB0-08B151A184AD}" type="datetimeFigureOut">
               <a:rPr lang="de-CH" smtClean="0"/>
-              <a:t>30.11.2018</a:t>
+              <a:t>04.12.2018</a:t>
             </a:fld>
             <a:endParaRPr lang="de-CH"/>
           </a:p>
@@ -3680,7 +3689,7 @@
           <a:p>
             <a:fld id="{EB817F27-EF44-41FD-ABB0-08B151A184AD}" type="datetimeFigureOut">
               <a:rPr lang="de-CH" smtClean="0"/>
-              <a:t>30.11.2018</a:t>
+              <a:t>04.12.2018</a:t>
             </a:fld>
             <a:endParaRPr lang="de-CH"/>
           </a:p>
@@ -3880,7 +3889,7 @@
           <a:p>
             <a:fld id="{EB817F27-EF44-41FD-ABB0-08B151A184AD}" type="datetimeFigureOut">
               <a:rPr lang="de-CH" smtClean="0"/>
-              <a:t>30.11.2018</a:t>
+              <a:t>04.12.2018</a:t>
             </a:fld>
             <a:endParaRPr lang="de-CH"/>
           </a:p>
@@ -4156,7 +4165,7 @@
           <a:p>
             <a:fld id="{EB817F27-EF44-41FD-ABB0-08B151A184AD}" type="datetimeFigureOut">
               <a:rPr lang="de-CH" smtClean="0"/>
-              <a:t>30.11.2018</a:t>
+              <a:t>04.12.2018</a:t>
             </a:fld>
             <a:endParaRPr lang="de-CH"/>
           </a:p>
@@ -4424,7 +4433,7 @@
           <a:p>
             <a:fld id="{EB817F27-EF44-41FD-ABB0-08B151A184AD}" type="datetimeFigureOut">
               <a:rPr lang="de-CH" smtClean="0"/>
-              <a:t>30.11.2018</a:t>
+              <a:t>04.12.2018</a:t>
             </a:fld>
             <a:endParaRPr lang="de-CH"/>
           </a:p>
@@ -4839,7 +4848,7 @@
           <a:p>
             <a:fld id="{EB817F27-EF44-41FD-ABB0-08B151A184AD}" type="datetimeFigureOut">
               <a:rPr lang="de-CH" smtClean="0"/>
-              <a:t>30.11.2018</a:t>
+              <a:t>04.12.2018</a:t>
             </a:fld>
             <a:endParaRPr lang="de-CH"/>
           </a:p>
@@ -4981,7 +4990,7 @@
           <a:p>
             <a:fld id="{EB817F27-EF44-41FD-ABB0-08B151A184AD}" type="datetimeFigureOut">
               <a:rPr lang="de-CH" smtClean="0"/>
-              <a:t>30.11.2018</a:t>
+              <a:t>04.12.2018</a:t>
             </a:fld>
             <a:endParaRPr lang="de-CH"/>
           </a:p>
@@ -5094,7 +5103,7 @@
           <a:p>
             <a:fld id="{EB817F27-EF44-41FD-ABB0-08B151A184AD}" type="datetimeFigureOut">
               <a:rPr lang="de-CH" smtClean="0"/>
-              <a:t>30.11.2018</a:t>
+              <a:t>04.12.2018</a:t>
             </a:fld>
             <a:endParaRPr lang="de-CH"/>
           </a:p>
@@ -5407,7 +5416,7 @@
           <a:p>
             <a:fld id="{EB817F27-EF44-41FD-ABB0-08B151A184AD}" type="datetimeFigureOut">
               <a:rPr lang="de-CH" smtClean="0"/>
-              <a:t>30.11.2018</a:t>
+              <a:t>04.12.2018</a:t>
             </a:fld>
             <a:endParaRPr lang="de-CH"/>
           </a:p>
@@ -5696,7 +5705,7 @@
           <a:p>
             <a:fld id="{EB817F27-EF44-41FD-ABB0-08B151A184AD}" type="datetimeFigureOut">
               <a:rPr lang="de-CH" smtClean="0"/>
-              <a:t>30.11.2018</a:t>
+              <a:t>04.12.2018</a:t>
             </a:fld>
             <a:endParaRPr lang="de-CH"/>
           </a:p>
@@ -5939,7 +5948,7 @@
           <a:p>
             <a:fld id="{EB817F27-EF44-41FD-ABB0-08B151A184AD}" type="datetimeFigureOut">
               <a:rPr lang="de-CH" smtClean="0"/>
-              <a:t>30.11.2018</a:t>
+              <a:t>04.12.2018</a:t>
             </a:fld>
             <a:endParaRPr lang="de-CH"/>
           </a:p>
@@ -6444,6 +6453,1149 @@
 </p:sld>
 </file>
 
+<file path=ppt/slides/slide10.xml><?xml version="1.0" encoding="utf-8"?>
+<p:sld xmlns:a="http://schemas.openxmlformats.org/drawingml/2006/main" xmlns:r="http://schemas.openxmlformats.org/officeDocument/2006/relationships" xmlns:p="http://schemas.openxmlformats.org/presentationml/2006/main">
+  <p:cSld>
+    <p:bg>
+      <p:bgPr>
+        <a:solidFill>
+          <a:schemeClr val="bg1"/>
+        </a:solidFill>
+        <a:effectLst/>
+      </p:bgPr>
+    </p:bg>
+    <p:spTree>
+      <p:nvGrpSpPr>
+        <p:cNvPr id="1" name=""/>
+        <p:cNvGrpSpPr/>
+        <p:nvPr/>
+      </p:nvGrpSpPr>
+      <p:grpSpPr>
+        <a:xfrm>
+          <a:off x="0" y="0"/>
+          <a:ext cx="0" cy="0"/>
+          <a:chOff x="0" y="0"/>
+          <a:chExt cx="0" cy="0"/>
+        </a:xfrm>
+      </p:grpSpPr>
+      <p:sp>
+        <p:nvSpPr>
+          <p:cNvPr id="2" name="Titre 1">
+            <a:extLst>
+              <a:ext uri="{FF2B5EF4-FFF2-40B4-BE49-F238E27FC236}">
+                <a16:creationId xmlns:a16="http://schemas.microsoft.com/office/drawing/2014/main" id="{668FB674-084C-4C41-91E5-0850AE14368F}"/>
+              </a:ext>
+            </a:extLst>
+          </p:cNvPr>
+          <p:cNvSpPr>
+            <a:spLocks noGrp="1"/>
+          </p:cNvSpPr>
+          <p:nvPr>
+            <p:ph type="title"/>
+          </p:nvPr>
+        </p:nvSpPr>
+        <p:spPr>
+          <a:xfrm>
+            <a:off x="648929" y="629266"/>
+            <a:ext cx="5127031" cy="1676603"/>
+          </a:xfrm>
+        </p:spPr>
+        <p:txBody>
+          <a:bodyPr>
+            <a:normAutofit/>
+          </a:bodyPr>
+          <a:lstStyle/>
+          <a:p>
+            <a:r>
+              <a:rPr lang="fr-CH" dirty="0"/>
+              <a:t>Peupler la base de données</a:t>
+            </a:r>
+            <a:endParaRPr lang="de-CH" dirty="0"/>
+          </a:p>
+        </p:txBody>
+      </p:sp>
+      <p:sp>
+        <p:nvSpPr>
+          <p:cNvPr id="3" name="Espace réservé du contenu 2">
+            <a:extLst>
+              <a:ext uri="{FF2B5EF4-FFF2-40B4-BE49-F238E27FC236}">
+                <a16:creationId xmlns:a16="http://schemas.microsoft.com/office/drawing/2014/main" id="{22A04EB2-F153-4E1B-B8C1-9EAC511BCAC9}"/>
+              </a:ext>
+            </a:extLst>
+          </p:cNvPr>
+          <p:cNvSpPr>
+            <a:spLocks noGrp="1"/>
+          </p:cNvSpPr>
+          <p:nvPr>
+            <p:ph idx="1"/>
+          </p:nvPr>
+        </p:nvSpPr>
+        <p:spPr>
+          <a:xfrm>
+            <a:off x="648930" y="2438400"/>
+            <a:ext cx="5127029" cy="3785419"/>
+          </a:xfrm>
+        </p:spPr>
+        <p:txBody>
+          <a:bodyPr>
+            <a:normAutofit/>
+          </a:bodyPr>
+          <a:lstStyle/>
+          <a:p>
+            <a:r>
+              <a:rPr lang="fr-CH" sz="2000"/>
+              <a:t>Passage BDD test vers BDD réelle</a:t>
+            </a:r>
+          </a:p>
+          <a:p>
+            <a:r>
+              <a:rPr lang="fr-CH" sz="2000"/>
+              <a:t>Interaction avec l'API:</a:t>
+            </a:r>
+          </a:p>
+          <a:p>
+            <a:pPr lvl="1"/>
+            <a:r>
+              <a:rPr lang="fr-CH" sz="2000"/>
+              <a:t>Trouver les bon champs</a:t>
+            </a:r>
+          </a:p>
+          <a:p>
+            <a:pPr lvl="1"/>
+            <a:r>
+              <a:rPr lang="fr-CH" sz="2000"/>
+              <a:t>Formater les champs </a:t>
+            </a:r>
+          </a:p>
+          <a:p>
+            <a:pPr lvl="1"/>
+            <a:r>
+              <a:rPr lang="fr-CH" sz="2000"/>
+              <a:t>Insérer les champs dans la BDD</a:t>
+            </a:r>
+          </a:p>
+          <a:p>
+            <a:r>
+              <a:rPr lang="fr-CH" sz="2000"/>
+              <a:t>Création du script Python</a:t>
+            </a:r>
+          </a:p>
+          <a:p>
+            <a:pPr lvl="1"/>
+            <a:endParaRPr lang="fr-CH" sz="2000"/>
+          </a:p>
+        </p:txBody>
+      </p:sp>
+      <p:pic>
+        <p:nvPicPr>
+          <p:cNvPr id="4" name="Image 3"/>
+          <p:cNvPicPr>
+            <a:picLocks noChangeAspect="1"/>
+          </p:cNvPicPr>
+          <p:nvPr/>
+        </p:nvPicPr>
+        <p:blipFill rotWithShape="1">
+          <a:blip r:embed="rId2"/>
+          <a:srcRect r="4341"/>
+          <a:stretch/>
+        </p:blipFill>
+        <p:spPr>
+          <a:xfrm>
+            <a:off x="6090612" y="10"/>
+            <a:ext cx="6101387" cy="6857990"/>
+          </a:xfrm>
+          <a:prstGeom prst="rect">
+            <a:avLst/>
+          </a:prstGeom>
+          <a:effectLst/>
+        </p:spPr>
+      </p:pic>
+    </p:spTree>
+    <p:extLst>
+      <p:ext uri="{BB962C8B-B14F-4D97-AF65-F5344CB8AC3E}">
+        <p14:creationId xmlns:p14="http://schemas.microsoft.com/office/powerpoint/2010/main" val="2498444716"/>
+      </p:ext>
+    </p:extLst>
+  </p:cSld>
+  <p:clrMapOvr>
+    <a:masterClrMapping/>
+  </p:clrMapOvr>
+</p:sld>
+</file>
+
+<file path=ppt/slides/slide11.xml><?xml version="1.0" encoding="utf-8"?>
+<p:sld xmlns:a="http://schemas.openxmlformats.org/drawingml/2006/main" xmlns:r="http://schemas.openxmlformats.org/officeDocument/2006/relationships" xmlns:p="http://schemas.openxmlformats.org/presentationml/2006/main">
+  <p:cSld>
+    <p:bg>
+      <p:bgPr>
+        <a:solidFill>
+          <a:schemeClr val="bg1"/>
+        </a:solidFill>
+        <a:effectLst/>
+      </p:bgPr>
+    </p:bg>
+    <p:spTree>
+      <p:nvGrpSpPr>
+        <p:cNvPr id="1" name=""/>
+        <p:cNvGrpSpPr/>
+        <p:nvPr/>
+      </p:nvGrpSpPr>
+      <p:grpSpPr>
+        <a:xfrm>
+          <a:off x="0" y="0"/>
+          <a:ext cx="0" cy="0"/>
+          <a:chOff x="0" y="0"/>
+          <a:chExt cx="0" cy="0"/>
+        </a:xfrm>
+      </p:grpSpPr>
+      <p:sp>
+        <p:nvSpPr>
+          <p:cNvPr id="11" name="Rectangle 9">
+            <a:extLst>
+              <a:ext uri="{FF2B5EF4-FFF2-40B4-BE49-F238E27FC236}">
+                <a16:creationId xmlns:a16="http://schemas.microsoft.com/office/drawing/2014/main" id="{AFA67CD3-AB4E-4A7A-BEB8-53C445D8C44E}"/>
+              </a:ext>
+              <a:ext uri="{C183D7F6-B498-43B3-948B-1728B52AA6E4}">
+                <adec:decorative xmlns="" xmlns:adec="http://schemas.microsoft.com/office/drawing/2017/decorative" val="1"/>
+              </a:ext>
+            </a:extLst>
+          </p:cNvPr>
+          <p:cNvSpPr>
+            <a:spLocks noGrp="1" noRot="1" noChangeAspect="1" noMove="1" noResize="1" noEditPoints="1" noAdjustHandles="1" noChangeArrowheads="1" noChangeShapeType="1" noTextEdit="1"/>
+          </p:cNvSpPr>
+          <p:nvPr>
+            <p:extLst>
+              <p:ext uri="{386F3935-93C4-4BCD-93E2-E3B085C9AB24}">
+                <p16:designElem xmlns:p16="http://schemas.microsoft.com/office/powerpoint/2015/main" val="1"/>
+              </p:ext>
+            </p:extLst>
+          </p:nvPr>
+        </p:nvSpPr>
+        <p:spPr>
+          <a:xfrm>
+            <a:off x="1" y="3726"/>
+            <a:ext cx="5614875" cy="6858000"/>
+          </a:xfrm>
+          <a:prstGeom prst="rect">
+            <a:avLst/>
+          </a:prstGeom>
+          <a:gradFill>
+            <a:gsLst>
+              <a:gs pos="0">
+                <a:schemeClr val="accent1">
+                  <a:lumMod val="100000"/>
+                  <a:alpha val="82000"/>
+                </a:schemeClr>
+              </a:gs>
+              <a:gs pos="25000">
+                <a:schemeClr val="accent1">
+                  <a:alpha val="60000"/>
+                </a:schemeClr>
+              </a:gs>
+              <a:gs pos="94000">
+                <a:schemeClr val="bg2">
+                  <a:lumMod val="75000"/>
+                </a:schemeClr>
+              </a:gs>
+              <a:gs pos="100000">
+                <a:schemeClr val="bg2">
+                  <a:lumMod val="75000"/>
+                </a:schemeClr>
+              </a:gs>
+            </a:gsLst>
+            <a:lin ang="4200000" scaled="0"/>
+          </a:gradFill>
+          <a:ln>
+            <a:noFill/>
+          </a:ln>
+        </p:spPr>
+        <p:style>
+          <a:lnRef idx="2">
+            <a:schemeClr val="accent1">
+              <a:shade val="50000"/>
+            </a:schemeClr>
+          </a:lnRef>
+          <a:fillRef idx="1">
+            <a:schemeClr val="accent1"/>
+          </a:fillRef>
+          <a:effectRef idx="0">
+            <a:schemeClr val="accent1"/>
+          </a:effectRef>
+          <a:fontRef idx="minor">
+            <a:schemeClr val="lt1"/>
+          </a:fontRef>
+        </p:style>
+        <p:txBody>
+          <a:bodyPr rtlCol="0" anchor="ctr"/>
+          <a:lstStyle/>
+          <a:p>
+            <a:pPr algn="ctr"/>
+            <a:endParaRPr lang="en-US"/>
+          </a:p>
+        </p:txBody>
+      </p:sp>
+      <p:pic>
+        <p:nvPicPr>
+          <p:cNvPr id="12" name="Picture 11">
+            <a:extLst>
+              <a:ext uri="{FF2B5EF4-FFF2-40B4-BE49-F238E27FC236}">
+                <a16:creationId xmlns:a16="http://schemas.microsoft.com/office/drawing/2014/main" id="{07CF545F-9C2E-4446-97CD-AD92990C2B68}"/>
+              </a:ext>
+              <a:ext uri="{C183D7F6-B498-43B3-948B-1728B52AA6E4}">
+                <adec:decorative xmlns="" xmlns:adec="http://schemas.microsoft.com/office/drawing/2017/decorative" val="1"/>
+              </a:ext>
+            </a:extLst>
+          </p:cNvPr>
+          <p:cNvPicPr>
+            <a:picLocks noGrp="1" noRot="1" noChangeAspect="1" noMove="1" noResize="1" noEditPoints="1" noAdjustHandles="1" noChangeArrowheads="1" noChangeShapeType="1" noCrop="1"/>
+          </p:cNvPicPr>
+          <p:nvPr>
+            <p:extLst>
+              <p:ext uri="{386F3935-93C4-4BCD-93E2-E3B085C9AB24}">
+                <p16:designElem xmlns:p16="http://schemas.microsoft.com/office/powerpoint/2015/main" val="1"/>
+              </p:ext>
+            </p:extLst>
+          </p:nvPr>
+        </p:nvPicPr>
+        <p:blipFill>
+          <a:blip r:embed="rId2">
+            <a:extLst>
+              <a:ext uri="{28A0092B-C50C-407E-A947-70E740481C1C}">
+                <a14:useLocalDpi xmlns:a14="http://schemas.microsoft.com/office/drawing/2010/main" val="0"/>
+              </a:ext>
+            </a:extLst>
+          </a:blip>
+          <a:stretch>
+            <a:fillRect/>
+          </a:stretch>
+        </p:blipFill>
+        <p:spPr>
+          <a:xfrm>
+            <a:off x="0" y="0"/>
+            <a:ext cx="12192000" cy="6858000"/>
+          </a:xfrm>
+          <a:prstGeom prst="rect">
+            <a:avLst/>
+          </a:prstGeom>
+        </p:spPr>
+      </p:pic>
+      <p:sp>
+        <p:nvSpPr>
+          <p:cNvPr id="2" name="Titre 1"/>
+          <p:cNvSpPr>
+            <a:spLocks noGrp="1"/>
+          </p:cNvSpPr>
+          <p:nvPr>
+            <p:ph type="title"/>
+          </p:nvPr>
+        </p:nvSpPr>
+        <p:spPr>
+          <a:xfrm>
+            <a:off x="6094105" y="802955"/>
+            <a:ext cx="4977976" cy="1454051"/>
+          </a:xfrm>
+        </p:spPr>
+        <p:txBody>
+          <a:bodyPr>
+            <a:normAutofit/>
+          </a:bodyPr>
+          <a:lstStyle/>
+          <a:p>
+            <a:r>
+              <a:rPr lang="fr-FR">
+                <a:solidFill>
+                  <a:srgbClr val="000000"/>
+                </a:solidFill>
+              </a:rPr>
+              <a:t>Difficultés principales</a:t>
+            </a:r>
+          </a:p>
+        </p:txBody>
+      </p:sp>
+      <p:sp>
+        <p:nvSpPr>
+          <p:cNvPr id="14" name="Freeform 62">
+            <a:extLst>
+              <a:ext uri="{FF2B5EF4-FFF2-40B4-BE49-F238E27FC236}">
+                <a16:creationId xmlns:a16="http://schemas.microsoft.com/office/drawing/2014/main" id="{339C8D78-A644-462F-B674-F440635E5353}"/>
+              </a:ext>
+              <a:ext uri="{C183D7F6-B498-43B3-948B-1728B52AA6E4}">
+                <adec:decorative xmlns="" xmlns:adec="http://schemas.microsoft.com/office/drawing/2017/decorative" val="1"/>
+              </a:ext>
+            </a:extLst>
+          </p:cNvPr>
+          <p:cNvSpPr>
+            <a:spLocks noGrp="1" noRot="1" noChangeAspect="1" noMove="1" noResize="1" noEditPoints="1" noAdjustHandles="1" noChangeArrowheads="1" noChangeShapeType="1" noTextEdit="1"/>
+          </p:cNvSpPr>
+          <p:nvPr>
+            <p:extLst>
+              <p:ext uri="{386F3935-93C4-4BCD-93E2-E3B085C9AB24}">
+                <p16:designElem xmlns:p16="http://schemas.microsoft.com/office/powerpoint/2015/main" val="1"/>
+              </p:ext>
+            </p:extLst>
+          </p:nvPr>
+        </p:nvSpPr>
+        <p:spPr>
+          <a:xfrm>
+            <a:off x="0" y="738619"/>
+            <a:ext cx="5000438" cy="5400962"/>
+          </a:xfrm>
+          <a:custGeom>
+            <a:avLst/>
+            <a:gdLst>
+              <a:gd name="connsiteX0" fmla="*/ 2299956 w 5000438"/>
+              <a:gd name="connsiteY0" fmla="*/ 0 h 5400962"/>
+              <a:gd name="connsiteX1" fmla="*/ 5000438 w 5000438"/>
+              <a:gd name="connsiteY1" fmla="*/ 2700481 h 5400962"/>
+              <a:gd name="connsiteX2" fmla="*/ 2299956 w 5000438"/>
+              <a:gd name="connsiteY2" fmla="*/ 5400962 h 5400962"/>
+              <a:gd name="connsiteX3" fmla="*/ 60675 w 5000438"/>
+              <a:gd name="connsiteY3" fmla="*/ 4210346 h 5400962"/>
+              <a:gd name="connsiteX4" fmla="*/ 0 w 5000438"/>
+              <a:gd name="connsiteY4" fmla="*/ 4110472 h 5400962"/>
+              <a:gd name="connsiteX5" fmla="*/ 0 w 5000438"/>
+              <a:gd name="connsiteY5" fmla="*/ 1290491 h 5400962"/>
+              <a:gd name="connsiteX6" fmla="*/ 60675 w 5000438"/>
+              <a:gd name="connsiteY6" fmla="*/ 1190617 h 5400962"/>
+              <a:gd name="connsiteX7" fmla="*/ 2299956 w 5000438"/>
+              <a:gd name="connsiteY7" fmla="*/ 0 h 5400962"/>
+            </a:gdLst>
+            <a:ahLst/>
+            <a:cxnLst>
+              <a:cxn ang="0">
+                <a:pos x="connsiteX0" y="connsiteY0"/>
+              </a:cxn>
+              <a:cxn ang="0">
+                <a:pos x="connsiteX1" y="connsiteY1"/>
+              </a:cxn>
+              <a:cxn ang="0">
+                <a:pos x="connsiteX2" y="connsiteY2"/>
+              </a:cxn>
+              <a:cxn ang="0">
+                <a:pos x="connsiteX3" y="connsiteY3"/>
+              </a:cxn>
+              <a:cxn ang="0">
+                <a:pos x="connsiteX4" y="connsiteY4"/>
+              </a:cxn>
+              <a:cxn ang="0">
+                <a:pos x="connsiteX5" y="connsiteY5"/>
+              </a:cxn>
+              <a:cxn ang="0">
+                <a:pos x="connsiteX6" y="connsiteY6"/>
+              </a:cxn>
+              <a:cxn ang="0">
+                <a:pos x="connsiteX7" y="connsiteY7"/>
+              </a:cxn>
+            </a:cxnLst>
+            <a:rect l="l" t="t" r="r" b="b"/>
+            <a:pathLst>
+              <a:path w="5000438" h="5400962">
+                <a:moveTo>
+                  <a:pt x="2299956" y="0"/>
+                </a:moveTo>
+                <a:cubicBezTo>
+                  <a:pt x="3791390" y="0"/>
+                  <a:pt x="5000438" y="1209047"/>
+                  <a:pt x="5000438" y="2700481"/>
+                </a:cubicBezTo>
+                <a:cubicBezTo>
+                  <a:pt x="5000438" y="4191915"/>
+                  <a:pt x="3791390" y="5400962"/>
+                  <a:pt x="2299956" y="5400962"/>
+                </a:cubicBezTo>
+                <a:cubicBezTo>
+                  <a:pt x="1367810" y="5400962"/>
+                  <a:pt x="545971" y="4928678"/>
+                  <a:pt x="60675" y="4210346"/>
+                </a:cubicBezTo>
+                <a:lnTo>
+                  <a:pt x="0" y="4110472"/>
+                </a:lnTo>
+                <a:lnTo>
+                  <a:pt x="0" y="1290491"/>
+                </a:lnTo>
+                <a:lnTo>
+                  <a:pt x="60675" y="1190617"/>
+                </a:lnTo>
+                <a:cubicBezTo>
+                  <a:pt x="545971" y="472284"/>
+                  <a:pt x="1367810" y="0"/>
+                  <a:pt x="2299956" y="0"/>
+                </a:cubicBezTo>
+                <a:close/>
+              </a:path>
+            </a:pathLst>
+          </a:custGeom>
+          <a:solidFill>
+            <a:srgbClr val="FFFFFF"/>
+          </a:solidFill>
+          <a:ln>
+            <a:gradFill>
+              <a:gsLst>
+                <a:gs pos="0">
+                  <a:schemeClr val="accent1">
+                    <a:lumMod val="40000"/>
+                    <a:lumOff val="60000"/>
+                  </a:schemeClr>
+                </a:gs>
+                <a:gs pos="23000">
+                  <a:schemeClr val="accent1">
+                    <a:lumMod val="45000"/>
+                    <a:lumOff val="55000"/>
+                  </a:schemeClr>
+                </a:gs>
+                <a:gs pos="83000">
+                  <a:schemeClr val="bg2">
+                    <a:lumMod val="85000"/>
+                  </a:schemeClr>
+                </a:gs>
+                <a:gs pos="100000">
+                  <a:schemeClr val="bg2">
+                    <a:lumMod val="85000"/>
+                  </a:schemeClr>
+                </a:gs>
+              </a:gsLst>
+              <a:lin ang="5400000" scaled="1"/>
+            </a:gradFill>
+          </a:ln>
+        </p:spPr>
+        <p:style>
+          <a:lnRef idx="2">
+            <a:schemeClr val="accent1">
+              <a:shade val="50000"/>
+            </a:schemeClr>
+          </a:lnRef>
+          <a:fillRef idx="1">
+            <a:schemeClr val="accent1"/>
+          </a:fillRef>
+          <a:effectRef idx="0">
+            <a:schemeClr val="accent1"/>
+          </a:effectRef>
+          <a:fontRef idx="minor">
+            <a:schemeClr val="lt1"/>
+          </a:fontRef>
+        </p:style>
+        <p:txBody>
+          <a:bodyPr wrap="square" rtlCol="0" anchor="ctr">
+            <a:noAutofit/>
+          </a:bodyPr>
+          <a:lstStyle/>
+          <a:p>
+            <a:pPr algn="ctr"/>
+            <a:endParaRPr lang="en-US"/>
+          </a:p>
+        </p:txBody>
+      </p:sp>
+      <p:pic>
+        <p:nvPicPr>
+          <p:cNvPr id="7" name="Graphic 6">
+            <a:extLst>
+              <a:ext uri="{FF2B5EF4-FFF2-40B4-BE49-F238E27FC236}">
+                <a16:creationId xmlns:a16="http://schemas.microsoft.com/office/drawing/2014/main" id="{82397B4D-29DC-4F88-A6FE-4AB9594262BD}"/>
+              </a:ext>
+            </a:extLst>
+          </p:cNvPr>
+          <p:cNvPicPr>
+            <a:picLocks noChangeAspect="1"/>
+          </p:cNvPicPr>
+          <p:nvPr/>
+        </p:nvPicPr>
+        <p:blipFill>
+          <a:blip r:embed="rId3">
+            <a:extLst>
+              <a:ext uri="{28A0092B-C50C-407E-A947-70E740481C1C}">
+                <a14:useLocalDpi xmlns:a14="http://schemas.microsoft.com/office/drawing/2010/main" val="0"/>
+              </a:ext>
+              <a:ext uri="{96DAC541-7B7A-43D3-8B79-37D633B846F1}">
+                <asvg:svgBlip xmlns="" xmlns:asvg="http://schemas.microsoft.com/office/drawing/2016/SVG/main" r:embed="rId4"/>
+              </a:ext>
+            </a:extLst>
+          </a:blip>
+          <a:stretch>
+            <a:fillRect/>
+          </a:stretch>
+        </p:blipFill>
+        <p:spPr>
+          <a:xfrm>
+            <a:off x="450254" y="1629089"/>
+            <a:ext cx="3620021" cy="3620021"/>
+          </a:xfrm>
+          <a:prstGeom prst="rect">
+            <a:avLst/>
+          </a:prstGeom>
+        </p:spPr>
+      </p:pic>
+      <p:sp>
+        <p:nvSpPr>
+          <p:cNvPr id="3" name="Espace réservé du contenu 2"/>
+          <p:cNvSpPr>
+            <a:spLocks noGrp="1"/>
+          </p:cNvSpPr>
+          <p:nvPr>
+            <p:ph idx="1"/>
+          </p:nvPr>
+        </p:nvSpPr>
+        <p:spPr>
+          <a:xfrm>
+            <a:off x="6090574" y="2421682"/>
+            <a:ext cx="4977578" cy="3639289"/>
+          </a:xfrm>
+        </p:spPr>
+        <p:txBody>
+          <a:bodyPr anchor="ctr">
+            <a:normAutofit/>
+          </a:bodyPr>
+          <a:lstStyle/>
+          <a:p>
+            <a:r>
+              <a:rPr lang="fr-FR" sz="2000">
+                <a:solidFill>
+                  <a:srgbClr val="000000"/>
+                </a:solidFill>
+              </a:rPr>
+              <a:t>Inconstance du temps de travail disponibles</a:t>
+            </a:r>
+          </a:p>
+          <a:p>
+            <a:r>
+              <a:rPr lang="fr-FR" sz="2000">
+                <a:solidFill>
+                  <a:srgbClr val="000000"/>
+                </a:solidFill>
+              </a:rPr>
+              <a:t>Gestion des champs de l’API</a:t>
+            </a:r>
+          </a:p>
+          <a:p>
+            <a:r>
+              <a:rPr lang="fr-FR" sz="2000">
+                <a:solidFill>
+                  <a:srgbClr val="000000"/>
+                </a:solidFill>
+              </a:rPr>
+              <a:t>Gestion des erreurs</a:t>
+            </a:r>
+          </a:p>
+          <a:p>
+            <a:r>
+              <a:rPr lang="fr-FR" sz="2000">
+                <a:solidFill>
+                  <a:srgbClr val="000000"/>
+                </a:solidFill>
+              </a:rPr>
+              <a:t>Création du script Python pour la BDD</a:t>
+            </a:r>
+          </a:p>
+          <a:p>
+            <a:endParaRPr lang="fr-FR" sz="2000">
+              <a:solidFill>
+                <a:srgbClr val="000000"/>
+              </a:solidFill>
+            </a:endParaRPr>
+          </a:p>
+        </p:txBody>
+      </p:sp>
+    </p:spTree>
+    <p:extLst>
+      <p:ext uri="{BB962C8B-B14F-4D97-AF65-F5344CB8AC3E}">
+        <p14:creationId xmlns:p14="http://schemas.microsoft.com/office/powerpoint/2010/main" val="1736782855"/>
+      </p:ext>
+    </p:extLst>
+  </p:cSld>
+  <p:clrMapOvr>
+    <a:masterClrMapping/>
+  </p:clrMapOvr>
+</p:sld>
+</file>
+
+<file path=ppt/slides/slide12.xml><?xml version="1.0" encoding="utf-8"?>
+<p:sld xmlns:a="http://schemas.openxmlformats.org/drawingml/2006/main" xmlns:r="http://schemas.openxmlformats.org/officeDocument/2006/relationships" xmlns:p="http://schemas.openxmlformats.org/presentationml/2006/main">
+  <p:cSld>
+    <p:bg>
+      <p:bgPr>
+        <a:solidFill>
+          <a:schemeClr val="bg1"/>
+        </a:solidFill>
+        <a:effectLst/>
+      </p:bgPr>
+    </p:bg>
+    <p:spTree>
+      <p:nvGrpSpPr>
+        <p:cNvPr id="1" name=""/>
+        <p:cNvGrpSpPr/>
+        <p:nvPr/>
+      </p:nvGrpSpPr>
+      <p:grpSpPr>
+        <a:xfrm>
+          <a:off x="0" y="0"/>
+          <a:ext cx="0" cy="0"/>
+          <a:chOff x="0" y="0"/>
+          <a:chExt cx="0" cy="0"/>
+        </a:xfrm>
+      </p:grpSpPr>
+      <p:sp>
+        <p:nvSpPr>
+          <p:cNvPr id="10" name="Rectangle 9">
+            <a:extLst>
+              <a:ext uri="{FF2B5EF4-FFF2-40B4-BE49-F238E27FC236}">
+                <a16:creationId xmlns:a16="http://schemas.microsoft.com/office/drawing/2014/main" id="{AFA67CD3-AB4E-4A7A-BEB8-53C445D8C44E}"/>
+              </a:ext>
+              <a:ext uri="{C183D7F6-B498-43B3-948B-1728B52AA6E4}">
+                <adec:decorative xmlns="" xmlns:adec="http://schemas.microsoft.com/office/drawing/2017/decorative" val="1"/>
+              </a:ext>
+            </a:extLst>
+          </p:cNvPr>
+          <p:cNvSpPr>
+            <a:spLocks noGrp="1" noRot="1" noChangeAspect="1" noMove="1" noResize="1" noEditPoints="1" noAdjustHandles="1" noChangeArrowheads="1" noChangeShapeType="1" noTextEdit="1"/>
+          </p:cNvSpPr>
+          <p:nvPr>
+            <p:extLst>
+              <p:ext uri="{386F3935-93C4-4BCD-93E2-E3B085C9AB24}">
+                <p16:designElem xmlns:p16="http://schemas.microsoft.com/office/powerpoint/2015/main" val="1"/>
+              </p:ext>
+            </p:extLst>
+          </p:nvPr>
+        </p:nvSpPr>
+        <p:spPr>
+          <a:xfrm>
+            <a:off x="1" y="3726"/>
+            <a:ext cx="5614875" cy="6858000"/>
+          </a:xfrm>
+          <a:prstGeom prst="rect">
+            <a:avLst/>
+          </a:prstGeom>
+          <a:gradFill>
+            <a:gsLst>
+              <a:gs pos="0">
+                <a:schemeClr val="accent1">
+                  <a:lumMod val="100000"/>
+                  <a:alpha val="82000"/>
+                </a:schemeClr>
+              </a:gs>
+              <a:gs pos="25000">
+                <a:schemeClr val="accent1">
+                  <a:alpha val="60000"/>
+                </a:schemeClr>
+              </a:gs>
+              <a:gs pos="94000">
+                <a:schemeClr val="bg2">
+                  <a:lumMod val="75000"/>
+                </a:schemeClr>
+              </a:gs>
+              <a:gs pos="100000">
+                <a:schemeClr val="bg2">
+                  <a:lumMod val="75000"/>
+                </a:schemeClr>
+              </a:gs>
+            </a:gsLst>
+            <a:lin ang="4200000" scaled="0"/>
+          </a:gradFill>
+          <a:ln>
+            <a:noFill/>
+          </a:ln>
+        </p:spPr>
+        <p:style>
+          <a:lnRef idx="2">
+            <a:schemeClr val="accent1">
+              <a:shade val="50000"/>
+            </a:schemeClr>
+          </a:lnRef>
+          <a:fillRef idx="1">
+            <a:schemeClr val="accent1"/>
+          </a:fillRef>
+          <a:effectRef idx="0">
+            <a:schemeClr val="accent1"/>
+          </a:effectRef>
+          <a:fontRef idx="minor">
+            <a:schemeClr val="lt1"/>
+          </a:fontRef>
+        </p:style>
+        <p:txBody>
+          <a:bodyPr rtlCol="0" anchor="ctr"/>
+          <a:lstStyle/>
+          <a:p>
+            <a:pPr algn="ctr"/>
+            <a:endParaRPr lang="en-US"/>
+          </a:p>
+        </p:txBody>
+      </p:sp>
+      <p:pic>
+        <p:nvPicPr>
+          <p:cNvPr id="12" name="Picture 11">
+            <a:extLst>
+              <a:ext uri="{FF2B5EF4-FFF2-40B4-BE49-F238E27FC236}">
+                <a16:creationId xmlns:a16="http://schemas.microsoft.com/office/drawing/2014/main" id="{07CF545F-9C2E-4446-97CD-AD92990C2B68}"/>
+              </a:ext>
+              <a:ext uri="{C183D7F6-B498-43B3-948B-1728B52AA6E4}">
+                <adec:decorative xmlns="" xmlns:adec="http://schemas.microsoft.com/office/drawing/2017/decorative" val="1"/>
+              </a:ext>
+            </a:extLst>
+          </p:cNvPr>
+          <p:cNvPicPr>
+            <a:picLocks noGrp="1" noRot="1" noChangeAspect="1" noMove="1" noResize="1" noEditPoints="1" noAdjustHandles="1" noChangeArrowheads="1" noChangeShapeType="1" noCrop="1"/>
+          </p:cNvPicPr>
+          <p:nvPr>
+            <p:extLst>
+              <p:ext uri="{386F3935-93C4-4BCD-93E2-E3B085C9AB24}">
+                <p16:designElem xmlns:p16="http://schemas.microsoft.com/office/powerpoint/2015/main" val="1"/>
+              </p:ext>
+            </p:extLst>
+          </p:nvPr>
+        </p:nvPicPr>
+        <p:blipFill>
+          <a:blip r:embed="rId2">
+            <a:extLst>
+              <a:ext uri="{28A0092B-C50C-407E-A947-70E740481C1C}">
+                <a14:useLocalDpi xmlns:a14="http://schemas.microsoft.com/office/drawing/2010/main" val="0"/>
+              </a:ext>
+            </a:extLst>
+          </a:blip>
+          <a:stretch>
+            <a:fillRect/>
+          </a:stretch>
+        </p:blipFill>
+        <p:spPr>
+          <a:xfrm>
+            <a:off x="0" y="0"/>
+            <a:ext cx="12192000" cy="6858000"/>
+          </a:xfrm>
+          <a:prstGeom prst="rect">
+            <a:avLst/>
+          </a:prstGeom>
+        </p:spPr>
+      </p:pic>
+      <p:sp>
+        <p:nvSpPr>
+          <p:cNvPr id="2" name="Titre 1"/>
+          <p:cNvSpPr>
+            <a:spLocks noGrp="1"/>
+          </p:cNvSpPr>
+          <p:nvPr>
+            <p:ph type="title"/>
+          </p:nvPr>
+        </p:nvSpPr>
+        <p:spPr>
+          <a:xfrm>
+            <a:off x="6094105" y="802955"/>
+            <a:ext cx="4977976" cy="1454051"/>
+          </a:xfrm>
+        </p:spPr>
+        <p:txBody>
+          <a:bodyPr>
+            <a:normAutofit/>
+          </a:bodyPr>
+          <a:lstStyle/>
+          <a:p>
+            <a:r>
+              <a:rPr lang="fr-FR">
+                <a:solidFill>
+                  <a:srgbClr val="000000"/>
+                </a:solidFill>
+              </a:rPr>
+              <a:t>Idées d’améliorations</a:t>
+            </a:r>
+          </a:p>
+        </p:txBody>
+      </p:sp>
+      <p:sp>
+        <p:nvSpPr>
+          <p:cNvPr id="14" name="Freeform 62">
+            <a:extLst>
+              <a:ext uri="{FF2B5EF4-FFF2-40B4-BE49-F238E27FC236}">
+                <a16:creationId xmlns:a16="http://schemas.microsoft.com/office/drawing/2014/main" id="{339C8D78-A644-462F-B674-F440635E5353}"/>
+              </a:ext>
+              <a:ext uri="{C183D7F6-B498-43B3-948B-1728B52AA6E4}">
+                <adec:decorative xmlns="" xmlns:adec="http://schemas.microsoft.com/office/drawing/2017/decorative" val="1"/>
+              </a:ext>
+            </a:extLst>
+          </p:cNvPr>
+          <p:cNvSpPr>
+            <a:spLocks noGrp="1" noRot="1" noChangeAspect="1" noMove="1" noResize="1" noEditPoints="1" noAdjustHandles="1" noChangeArrowheads="1" noChangeShapeType="1" noTextEdit="1"/>
+          </p:cNvSpPr>
+          <p:nvPr>
+            <p:extLst>
+              <p:ext uri="{386F3935-93C4-4BCD-93E2-E3B085C9AB24}">
+                <p16:designElem xmlns:p16="http://schemas.microsoft.com/office/powerpoint/2015/main" val="1"/>
+              </p:ext>
+            </p:extLst>
+          </p:nvPr>
+        </p:nvSpPr>
+        <p:spPr>
+          <a:xfrm>
+            <a:off x="0" y="738619"/>
+            <a:ext cx="5000438" cy="5400962"/>
+          </a:xfrm>
+          <a:custGeom>
+            <a:avLst/>
+            <a:gdLst>
+              <a:gd name="connsiteX0" fmla="*/ 2299956 w 5000438"/>
+              <a:gd name="connsiteY0" fmla="*/ 0 h 5400962"/>
+              <a:gd name="connsiteX1" fmla="*/ 5000438 w 5000438"/>
+              <a:gd name="connsiteY1" fmla="*/ 2700481 h 5400962"/>
+              <a:gd name="connsiteX2" fmla="*/ 2299956 w 5000438"/>
+              <a:gd name="connsiteY2" fmla="*/ 5400962 h 5400962"/>
+              <a:gd name="connsiteX3" fmla="*/ 60675 w 5000438"/>
+              <a:gd name="connsiteY3" fmla="*/ 4210346 h 5400962"/>
+              <a:gd name="connsiteX4" fmla="*/ 0 w 5000438"/>
+              <a:gd name="connsiteY4" fmla="*/ 4110472 h 5400962"/>
+              <a:gd name="connsiteX5" fmla="*/ 0 w 5000438"/>
+              <a:gd name="connsiteY5" fmla="*/ 1290491 h 5400962"/>
+              <a:gd name="connsiteX6" fmla="*/ 60675 w 5000438"/>
+              <a:gd name="connsiteY6" fmla="*/ 1190617 h 5400962"/>
+              <a:gd name="connsiteX7" fmla="*/ 2299956 w 5000438"/>
+              <a:gd name="connsiteY7" fmla="*/ 0 h 5400962"/>
+            </a:gdLst>
+            <a:ahLst/>
+            <a:cxnLst>
+              <a:cxn ang="0">
+                <a:pos x="connsiteX0" y="connsiteY0"/>
+              </a:cxn>
+              <a:cxn ang="0">
+                <a:pos x="connsiteX1" y="connsiteY1"/>
+              </a:cxn>
+              <a:cxn ang="0">
+                <a:pos x="connsiteX2" y="connsiteY2"/>
+              </a:cxn>
+              <a:cxn ang="0">
+                <a:pos x="connsiteX3" y="connsiteY3"/>
+              </a:cxn>
+              <a:cxn ang="0">
+                <a:pos x="connsiteX4" y="connsiteY4"/>
+              </a:cxn>
+              <a:cxn ang="0">
+                <a:pos x="connsiteX5" y="connsiteY5"/>
+              </a:cxn>
+              <a:cxn ang="0">
+                <a:pos x="connsiteX6" y="connsiteY6"/>
+              </a:cxn>
+              <a:cxn ang="0">
+                <a:pos x="connsiteX7" y="connsiteY7"/>
+              </a:cxn>
+            </a:cxnLst>
+            <a:rect l="l" t="t" r="r" b="b"/>
+            <a:pathLst>
+              <a:path w="5000438" h="5400962">
+                <a:moveTo>
+                  <a:pt x="2299956" y="0"/>
+                </a:moveTo>
+                <a:cubicBezTo>
+                  <a:pt x="3791390" y="0"/>
+                  <a:pt x="5000438" y="1209047"/>
+                  <a:pt x="5000438" y="2700481"/>
+                </a:cubicBezTo>
+                <a:cubicBezTo>
+                  <a:pt x="5000438" y="4191915"/>
+                  <a:pt x="3791390" y="5400962"/>
+                  <a:pt x="2299956" y="5400962"/>
+                </a:cubicBezTo>
+                <a:cubicBezTo>
+                  <a:pt x="1367810" y="5400962"/>
+                  <a:pt x="545971" y="4928678"/>
+                  <a:pt x="60675" y="4210346"/>
+                </a:cubicBezTo>
+                <a:lnTo>
+                  <a:pt x="0" y="4110472"/>
+                </a:lnTo>
+                <a:lnTo>
+                  <a:pt x="0" y="1290491"/>
+                </a:lnTo>
+                <a:lnTo>
+                  <a:pt x="60675" y="1190617"/>
+                </a:lnTo>
+                <a:cubicBezTo>
+                  <a:pt x="545971" y="472284"/>
+                  <a:pt x="1367810" y="0"/>
+                  <a:pt x="2299956" y="0"/>
+                </a:cubicBezTo>
+                <a:close/>
+              </a:path>
+            </a:pathLst>
+          </a:custGeom>
+          <a:solidFill>
+            <a:srgbClr val="FFFFFF"/>
+          </a:solidFill>
+          <a:ln>
+            <a:gradFill>
+              <a:gsLst>
+                <a:gs pos="0">
+                  <a:schemeClr val="accent1">
+                    <a:lumMod val="40000"/>
+                    <a:lumOff val="60000"/>
+                  </a:schemeClr>
+                </a:gs>
+                <a:gs pos="23000">
+                  <a:schemeClr val="accent1">
+                    <a:lumMod val="45000"/>
+                    <a:lumOff val="55000"/>
+                  </a:schemeClr>
+                </a:gs>
+                <a:gs pos="83000">
+                  <a:schemeClr val="bg2">
+                    <a:lumMod val="85000"/>
+                  </a:schemeClr>
+                </a:gs>
+                <a:gs pos="100000">
+                  <a:schemeClr val="bg2">
+                    <a:lumMod val="85000"/>
+                  </a:schemeClr>
+                </a:gs>
+              </a:gsLst>
+              <a:lin ang="5400000" scaled="1"/>
+            </a:gradFill>
+          </a:ln>
+        </p:spPr>
+        <p:style>
+          <a:lnRef idx="2">
+            <a:schemeClr val="accent1">
+              <a:shade val="50000"/>
+            </a:schemeClr>
+          </a:lnRef>
+          <a:fillRef idx="1">
+            <a:schemeClr val="accent1"/>
+          </a:fillRef>
+          <a:effectRef idx="0">
+            <a:schemeClr val="accent1"/>
+          </a:effectRef>
+          <a:fontRef idx="minor">
+            <a:schemeClr val="lt1"/>
+          </a:fontRef>
+        </p:style>
+        <p:txBody>
+          <a:bodyPr wrap="square" rtlCol="0" anchor="ctr">
+            <a:noAutofit/>
+          </a:bodyPr>
+          <a:lstStyle/>
+          <a:p>
+            <a:pPr algn="ctr"/>
+            <a:endParaRPr lang="en-US"/>
+          </a:p>
+        </p:txBody>
+      </p:sp>
+      <p:pic>
+        <p:nvPicPr>
+          <p:cNvPr id="7" name="Graphic 6">
+            <a:extLst>
+              <a:ext uri="{FF2B5EF4-FFF2-40B4-BE49-F238E27FC236}">
+                <a16:creationId xmlns:a16="http://schemas.microsoft.com/office/drawing/2014/main" id="{18CD1131-1060-4178-A6B9-3790356AAB3E}"/>
+              </a:ext>
+            </a:extLst>
+          </p:cNvPr>
+          <p:cNvPicPr>
+            <a:picLocks noChangeAspect="1"/>
+          </p:cNvPicPr>
+          <p:nvPr/>
+        </p:nvPicPr>
+        <p:blipFill>
+          <a:blip r:embed="rId3">
+            <a:extLst>
+              <a:ext uri="{28A0092B-C50C-407E-A947-70E740481C1C}">
+                <a14:useLocalDpi xmlns:a14="http://schemas.microsoft.com/office/drawing/2010/main" val="0"/>
+              </a:ext>
+              <a:ext uri="{96DAC541-7B7A-43D3-8B79-37D633B846F1}">
+                <asvg:svgBlip xmlns="" xmlns:asvg="http://schemas.microsoft.com/office/drawing/2016/SVG/main" r:embed="rId4"/>
+              </a:ext>
+            </a:extLst>
+          </a:blip>
+          <a:stretch>
+            <a:fillRect/>
+          </a:stretch>
+        </p:blipFill>
+        <p:spPr>
+          <a:xfrm>
+            <a:off x="450254" y="1629089"/>
+            <a:ext cx="3620021" cy="3620021"/>
+          </a:xfrm>
+          <a:prstGeom prst="rect">
+            <a:avLst/>
+          </a:prstGeom>
+        </p:spPr>
+      </p:pic>
+      <p:sp>
+        <p:nvSpPr>
+          <p:cNvPr id="3" name="Espace réservé du contenu 2"/>
+          <p:cNvSpPr>
+            <a:spLocks noGrp="1"/>
+          </p:cNvSpPr>
+          <p:nvPr>
+            <p:ph idx="1"/>
+          </p:nvPr>
+        </p:nvSpPr>
+        <p:spPr>
+          <a:xfrm>
+            <a:off x="6090574" y="2421682"/>
+            <a:ext cx="4977578" cy="3639289"/>
+          </a:xfrm>
+        </p:spPr>
+        <p:txBody>
+          <a:bodyPr anchor="ctr">
+            <a:normAutofit/>
+          </a:bodyPr>
+          <a:lstStyle/>
+          <a:p>
+            <a:r>
+              <a:rPr lang="fr-FR" sz="2000">
+                <a:solidFill>
+                  <a:srgbClr val="000000"/>
+                </a:solidFill>
+              </a:rPr>
+              <a:t>Plusieurs résultats possible</a:t>
+            </a:r>
+          </a:p>
+          <a:p>
+            <a:r>
+              <a:rPr lang="fr-FR" sz="2000">
+                <a:solidFill>
+                  <a:srgbClr val="000000"/>
+                </a:solidFill>
+              </a:rPr>
+              <a:t>Recharger la BDD</a:t>
+            </a:r>
+          </a:p>
+          <a:p>
+            <a:r>
+              <a:rPr lang="fr-FR" sz="2000">
+                <a:solidFill>
+                  <a:srgbClr val="000000"/>
+                </a:solidFill>
+              </a:rPr>
+              <a:t>Choix des catégories</a:t>
+            </a:r>
+          </a:p>
+          <a:p>
+            <a:r>
+              <a:rPr lang="fr-FR" sz="2000">
+                <a:solidFill>
+                  <a:srgbClr val="000000"/>
+                </a:solidFill>
+              </a:rPr>
+              <a:t>Suppressions des choix sauvés</a:t>
+            </a:r>
+          </a:p>
+          <a:p>
+            <a:r>
+              <a:rPr lang="fr-FR" sz="2000">
+                <a:solidFill>
+                  <a:srgbClr val="000000"/>
+                </a:solidFill>
+              </a:rPr>
+              <a:t>Sortir du mode console</a:t>
+            </a:r>
+          </a:p>
+        </p:txBody>
+      </p:sp>
+    </p:spTree>
+    <p:extLst>
+      <p:ext uri="{BB962C8B-B14F-4D97-AF65-F5344CB8AC3E}">
+        <p14:creationId xmlns:p14="http://schemas.microsoft.com/office/powerpoint/2010/main" val="1264450883"/>
+      </p:ext>
+    </p:extLst>
+  </p:cSld>
+  <p:clrMapOvr>
+    <a:masterClrMapping/>
+  </p:clrMapOvr>
+</p:sld>
+</file>
+
 <file path=ppt/slides/slide2.xml><?xml version="1.0" encoding="utf-8"?>
 <p:sld xmlns:a="http://schemas.openxmlformats.org/drawingml/2006/main" xmlns:r="http://schemas.openxmlformats.org/officeDocument/2006/relationships" xmlns:p="http://schemas.openxmlformats.org/presentationml/2006/main">
   <p:cSld>
@@ -6477,7 +7629,7 @@
                 <a16:creationId xmlns:a16="http://schemas.microsoft.com/office/drawing/2014/main" id="{42285737-90EE-47DC-AC80-8AE156B11969}"/>
               </a:ext>
               <a:ext uri="{C183D7F6-B498-43B3-948B-1728B52AA6E4}">
-                <adec:decorative xmlns:adec="http://schemas.microsoft.com/office/drawing/2017/decorative" val="1"/>
+                <adec:decorative xmlns:adec="http://schemas.microsoft.com/office/drawing/2017/decorative" xmlns="" val="1"/>
               </a:ext>
             </a:extLst>
           </p:cNvPr>
@@ -6657,7 +7809,7 @@
                 <a16:creationId xmlns:a16="http://schemas.microsoft.com/office/drawing/2014/main" id="{B57BDC17-F1B3-455F-BBF1-680AA1F25C06}"/>
               </a:ext>
               <a:ext uri="{C183D7F6-B498-43B3-948B-1728B52AA6E4}">
-                <adec:decorative xmlns:adec="http://schemas.microsoft.com/office/drawing/2017/decorative" val="1"/>
+                <adec:decorative xmlns:adec="http://schemas.microsoft.com/office/drawing/2017/decorative" xmlns="" val="1"/>
               </a:ext>
             </a:extLst>
           </p:cNvPr>
@@ -6688,7 +7840,7 @@
                   <a16:creationId xmlns:a16="http://schemas.microsoft.com/office/drawing/2014/main" id="{64E2FA9A-FEF7-4501-B0EB-5E45EDD2177A}"/>
                 </a:ext>
                 <a:ext uri="{C183D7F6-B498-43B3-948B-1728B52AA6E4}">
-                  <adec:decorative xmlns:adec="http://schemas.microsoft.com/office/drawing/2017/decorative" val="1"/>
+                  <adec:decorative xmlns:adec="http://schemas.microsoft.com/office/drawing/2017/decorative" xmlns="" val="1"/>
                 </a:ext>
               </a:extLst>
             </p:cNvPr>
@@ -6749,7 +7901,7 @@
                   <a16:creationId xmlns:a16="http://schemas.microsoft.com/office/drawing/2014/main" id="{BC38192B-B4CB-47D4-A3B1-10010247F158}"/>
                 </a:ext>
                 <a:ext uri="{C183D7F6-B498-43B3-948B-1728B52AA6E4}">
-                  <adec:decorative xmlns:adec="http://schemas.microsoft.com/office/drawing/2017/decorative" val="1"/>
+                  <adec:decorative xmlns:adec="http://schemas.microsoft.com/office/drawing/2017/decorative" xmlns="" val="1"/>
                 </a:ext>
               </a:extLst>
             </p:cNvPr>
@@ -6810,7 +7962,7 @@
                   <a16:creationId xmlns:a16="http://schemas.microsoft.com/office/drawing/2014/main" id="{96330E33-E171-4B0F-82B5-AF7230399B5C}"/>
                 </a:ext>
                 <a:ext uri="{C183D7F6-B498-43B3-948B-1728B52AA6E4}">
-                  <adec:decorative xmlns:adec="http://schemas.microsoft.com/office/drawing/2017/decorative" val="1"/>
+                  <adec:decorative xmlns:adec="http://schemas.microsoft.com/office/drawing/2017/decorative" xmlns="" val="1"/>
                 </a:ext>
               </a:extLst>
             </p:cNvPr>
@@ -6868,7 +8020,7 @@
                   <a16:creationId xmlns:a16="http://schemas.microsoft.com/office/drawing/2014/main" id="{332B1723-69BF-42D7-B757-0FA059E15256}"/>
                 </a:ext>
                 <a:ext uri="{C183D7F6-B498-43B3-948B-1728B52AA6E4}">
-                  <adec:decorative xmlns:adec="http://schemas.microsoft.com/office/drawing/2017/decorative" val="1"/>
+                  <adec:decorative xmlns:adec="http://schemas.microsoft.com/office/drawing/2017/decorative" xmlns="" val="1"/>
                 </a:ext>
               </a:extLst>
             </p:cNvPr>
@@ -6928,7 +8080,7 @@
                   <a16:creationId xmlns:a16="http://schemas.microsoft.com/office/drawing/2014/main" id="{F115D62D-1E96-48D1-A78D-D370A0BFB9B5}"/>
                 </a:ext>
                 <a:ext uri="{C183D7F6-B498-43B3-948B-1728B52AA6E4}">
-                  <adec:decorative xmlns:adec="http://schemas.microsoft.com/office/drawing/2017/decorative" val="1"/>
+                  <adec:decorative xmlns:adec="http://schemas.microsoft.com/office/drawing/2017/decorative" xmlns="" val="1"/>
                 </a:ext>
               </a:extLst>
             </p:cNvPr>
@@ -6994,7 +8146,7 @@
                   <a16:creationId xmlns:a16="http://schemas.microsoft.com/office/drawing/2014/main" id="{91C2876A-169D-4822-A766-C00578C88B4B}"/>
                 </a:ext>
                 <a:ext uri="{C183D7F6-B498-43B3-948B-1728B52AA6E4}">
-                  <adec:decorative xmlns:adec="http://schemas.microsoft.com/office/drawing/2017/decorative" val="1"/>
+                  <adec:decorative xmlns:adec="http://schemas.microsoft.com/office/drawing/2017/decorative" xmlns="" val="1"/>
                 </a:ext>
               </a:extLst>
             </p:cNvPr>
@@ -7154,6 +8306,14 @@
 <file path=ppt/slides/slide3.xml><?xml version="1.0" encoding="utf-8"?>
 <p:sld xmlns:a="http://schemas.openxmlformats.org/drawingml/2006/main" xmlns:r="http://schemas.openxmlformats.org/officeDocument/2006/relationships" xmlns:p="http://schemas.openxmlformats.org/presentationml/2006/main">
   <p:cSld>
+    <p:bg>
+      <p:bgPr>
+        <a:solidFill>
+          <a:schemeClr val="bg1"/>
+        </a:solidFill>
+        <a:effectLst/>
+      </p:bgPr>
+    </p:bg>
     <p:spTree>
       <p:nvGrpSpPr>
         <p:cNvPr id="1" name=""/>
@@ -7170,6 +8330,292 @@
       </p:grpSpPr>
       <p:sp>
         <p:nvSpPr>
+          <p:cNvPr id="10" name="Rectangle 8">
+            <a:extLst>
+              <a:ext uri="{FF2B5EF4-FFF2-40B4-BE49-F238E27FC236}">
+                <a16:creationId xmlns:a16="http://schemas.microsoft.com/office/drawing/2014/main" id="{56C20283-73E0-40EC-8AD8-057F581F64C2}"/>
+              </a:ext>
+              <a:ext uri="{C183D7F6-B498-43B3-948B-1728B52AA6E4}">
+                <adec:decorative xmlns="" xmlns:adec="http://schemas.microsoft.com/office/drawing/2017/decorative" val="1"/>
+              </a:ext>
+            </a:extLst>
+          </p:cNvPr>
+          <p:cNvSpPr>
+            <a:spLocks noGrp="1" noRot="1" noChangeAspect="1" noMove="1" noResize="1" noEditPoints="1" noAdjustHandles="1" noChangeArrowheads="1" noChangeShapeType="1" noTextEdit="1"/>
+          </p:cNvSpPr>
+          <p:nvPr>
+            <p:extLst>
+              <p:ext uri="{386F3935-93C4-4BCD-93E2-E3B085C9AB24}">
+                <p16:designElem xmlns:p16="http://schemas.microsoft.com/office/powerpoint/2015/main" val="1"/>
+              </p:ext>
+            </p:extLst>
+          </p:nvPr>
+        </p:nvSpPr>
+        <p:spPr>
+          <a:xfrm>
+            <a:off x="1524" y="0"/>
+            <a:ext cx="12188952" cy="6858000"/>
+          </a:xfrm>
+          <a:prstGeom prst="rect">
+            <a:avLst/>
+          </a:prstGeom>
+          <a:solidFill>
+            <a:schemeClr val="tx1"/>
+          </a:solidFill>
+          <a:ln>
+            <a:noFill/>
+          </a:ln>
+        </p:spPr>
+        <p:style>
+          <a:lnRef idx="2">
+            <a:schemeClr val="accent1">
+              <a:shade val="50000"/>
+            </a:schemeClr>
+          </a:lnRef>
+          <a:fillRef idx="1">
+            <a:schemeClr val="accent1"/>
+          </a:fillRef>
+          <a:effectRef idx="0">
+            <a:schemeClr val="accent1"/>
+          </a:effectRef>
+          <a:fontRef idx="minor">
+            <a:schemeClr val="lt1"/>
+          </a:fontRef>
+        </p:style>
+        <p:txBody>
+          <a:bodyPr rtlCol="0" anchor="ctr"/>
+          <a:lstStyle/>
+          <a:p>
+            <a:pPr algn="ctr"/>
+            <a:endParaRPr lang="en-US"/>
+          </a:p>
+        </p:txBody>
+      </p:sp>
+      <p:sp>
+        <p:nvSpPr>
+          <p:cNvPr id="12" name="Freeform 28">
+            <a:extLst>
+              <a:ext uri="{FF2B5EF4-FFF2-40B4-BE49-F238E27FC236}">
+                <a16:creationId xmlns:a16="http://schemas.microsoft.com/office/drawing/2014/main" id="{3FCC729B-E528-40C3-82D3-BA4375575E87}"/>
+              </a:ext>
+              <a:ext uri="{C183D7F6-B498-43B3-948B-1728B52AA6E4}">
+                <adec:decorative xmlns="" xmlns:adec="http://schemas.microsoft.com/office/drawing/2017/decorative" val="1"/>
+              </a:ext>
+            </a:extLst>
+          </p:cNvPr>
+          <p:cNvSpPr>
+            <a:spLocks noGrp="1" noRot="1" noChangeAspect="1" noMove="1" noResize="1" noEditPoints="1" noAdjustHandles="1" noChangeArrowheads="1" noChangeShapeType="1" noTextEdit="1"/>
+          </p:cNvSpPr>
+          <p:nvPr>
+            <p:extLst>
+              <p:ext uri="{386F3935-93C4-4BCD-93E2-E3B085C9AB24}">
+                <p16:designElem xmlns:p16="http://schemas.microsoft.com/office/powerpoint/2015/main" val="1"/>
+              </p:ext>
+            </p:extLst>
+          </p:nvPr>
+        </p:nvSpPr>
+        <p:spPr>
+          <a:xfrm flipH="1" flipV="1">
+            <a:off x="960120" y="0"/>
+            <a:ext cx="11218661" cy="6858000"/>
+          </a:xfrm>
+          <a:custGeom>
+            <a:avLst/>
+            <a:gdLst>
+              <a:gd name="connsiteX0" fmla="*/ 0 w 11218661"/>
+              <a:gd name="connsiteY0" fmla="*/ 0 h 6858000"/>
+              <a:gd name="connsiteX1" fmla="*/ 8042507 w 11218661"/>
+              <a:gd name="connsiteY1" fmla="*/ 0 h 6858000"/>
+              <a:gd name="connsiteX2" fmla="*/ 11218661 w 11218661"/>
+              <a:gd name="connsiteY2" fmla="*/ 6858000 h 6858000"/>
+              <a:gd name="connsiteX3" fmla="*/ 0 w 11218661"/>
+              <a:gd name="connsiteY3" fmla="*/ 6858000 h 6858000"/>
+            </a:gdLst>
+            <a:ahLst/>
+            <a:cxnLst>
+              <a:cxn ang="0">
+                <a:pos x="connsiteX0" y="connsiteY0"/>
+              </a:cxn>
+              <a:cxn ang="0">
+                <a:pos x="connsiteX1" y="connsiteY1"/>
+              </a:cxn>
+              <a:cxn ang="0">
+                <a:pos x="connsiteX2" y="connsiteY2"/>
+              </a:cxn>
+              <a:cxn ang="0">
+                <a:pos x="connsiteX3" y="connsiteY3"/>
+              </a:cxn>
+            </a:cxnLst>
+            <a:rect l="l" t="t" r="r" b="b"/>
+            <a:pathLst>
+              <a:path w="11218661" h="6858000">
+                <a:moveTo>
+                  <a:pt x="0" y="0"/>
+                </a:moveTo>
+                <a:lnTo>
+                  <a:pt x="8042507" y="0"/>
+                </a:lnTo>
+                <a:lnTo>
+                  <a:pt x="11218661" y="6858000"/>
+                </a:lnTo>
+                <a:lnTo>
+                  <a:pt x="0" y="6858000"/>
+                </a:lnTo>
+                <a:close/>
+              </a:path>
+            </a:pathLst>
+          </a:custGeom>
+          <a:solidFill>
+            <a:schemeClr val="bg1">
+              <a:lumMod val="85000"/>
+              <a:lumOff val="15000"/>
+              <a:alpha val="70000"/>
+            </a:schemeClr>
+          </a:solidFill>
+          <a:ln>
+            <a:noFill/>
+          </a:ln>
+        </p:spPr>
+        <p:style>
+          <a:lnRef idx="2">
+            <a:schemeClr val="accent1">
+              <a:shade val="50000"/>
+            </a:schemeClr>
+          </a:lnRef>
+          <a:fillRef idx="1">
+            <a:schemeClr val="accent1"/>
+          </a:fillRef>
+          <a:effectRef idx="0">
+            <a:schemeClr val="accent1"/>
+          </a:effectRef>
+          <a:fontRef idx="minor">
+            <a:schemeClr val="lt1"/>
+          </a:fontRef>
+        </p:style>
+        <p:txBody>
+          <a:bodyPr wrap="square" rtlCol="0" anchor="ctr">
+            <a:noAutofit/>
+          </a:bodyPr>
+          <a:lstStyle/>
+          <a:p>
+            <a:pPr algn="ctr"/>
+            <a:endParaRPr lang="en-US"/>
+          </a:p>
+        </p:txBody>
+      </p:sp>
+      <p:sp>
+        <p:nvSpPr>
+          <p:cNvPr id="14" name="Freeform 26">
+            <a:extLst>
+              <a:ext uri="{FF2B5EF4-FFF2-40B4-BE49-F238E27FC236}">
+                <a16:creationId xmlns:a16="http://schemas.microsoft.com/office/drawing/2014/main" id="{58F1FB8D-1842-4A04-998D-6CF047AB2790}"/>
+              </a:ext>
+              <a:ext uri="{C183D7F6-B498-43B3-948B-1728B52AA6E4}">
+                <adec:decorative xmlns="" xmlns:adec="http://schemas.microsoft.com/office/drawing/2017/decorative" val="1"/>
+              </a:ext>
+            </a:extLst>
+          </p:cNvPr>
+          <p:cNvSpPr>
+            <a:spLocks noGrp="1" noRot="1" noChangeAspect="1" noMove="1" noResize="1" noEditPoints="1" noAdjustHandles="1" noChangeArrowheads="1" noChangeShapeType="1" noTextEdit="1"/>
+          </p:cNvSpPr>
+          <p:nvPr>
+            <p:extLst>
+              <p:ext uri="{386F3935-93C4-4BCD-93E2-E3B085C9AB24}">
+                <p16:designElem xmlns:p16="http://schemas.microsoft.com/office/powerpoint/2015/main" val="1"/>
+              </p:ext>
+            </p:extLst>
+          </p:nvPr>
+        </p:nvSpPr>
+        <p:spPr>
+          <a:xfrm flipH="1" flipV="1">
+            <a:off x="1420248" y="0"/>
+            <a:ext cx="10771752" cy="6858000"/>
+          </a:xfrm>
+          <a:custGeom>
+            <a:avLst/>
+            <a:gdLst>
+              <a:gd name="connsiteX0" fmla="*/ 0 w 10771752"/>
+              <a:gd name="connsiteY0" fmla="*/ 0 h 6858000"/>
+              <a:gd name="connsiteX1" fmla="*/ 7595598 w 10771752"/>
+              <a:gd name="connsiteY1" fmla="*/ 0 h 6858000"/>
+              <a:gd name="connsiteX2" fmla="*/ 10771752 w 10771752"/>
+              <a:gd name="connsiteY2" fmla="*/ 6858000 h 6858000"/>
+              <a:gd name="connsiteX3" fmla="*/ 0 w 10771752"/>
+              <a:gd name="connsiteY3" fmla="*/ 6858000 h 6858000"/>
+            </a:gdLst>
+            <a:ahLst/>
+            <a:cxnLst>
+              <a:cxn ang="0">
+                <a:pos x="connsiteX0" y="connsiteY0"/>
+              </a:cxn>
+              <a:cxn ang="0">
+                <a:pos x="connsiteX1" y="connsiteY1"/>
+              </a:cxn>
+              <a:cxn ang="0">
+                <a:pos x="connsiteX2" y="connsiteY2"/>
+              </a:cxn>
+              <a:cxn ang="0">
+                <a:pos x="connsiteX3" y="connsiteY3"/>
+              </a:cxn>
+            </a:cxnLst>
+            <a:rect l="l" t="t" r="r" b="b"/>
+            <a:pathLst>
+              <a:path w="10771752" h="6858000">
+                <a:moveTo>
+                  <a:pt x="0" y="0"/>
+                </a:moveTo>
+                <a:lnTo>
+                  <a:pt x="7595598" y="0"/>
+                </a:lnTo>
+                <a:lnTo>
+                  <a:pt x="10771752" y="6858000"/>
+                </a:lnTo>
+                <a:lnTo>
+                  <a:pt x="0" y="6858000"/>
+                </a:lnTo>
+                <a:close/>
+              </a:path>
+            </a:pathLst>
+          </a:custGeom>
+          <a:solidFill>
+            <a:schemeClr val="bg1">
+              <a:lumMod val="85000"/>
+              <a:lumOff val="15000"/>
+            </a:schemeClr>
+          </a:solidFill>
+          <a:ln>
+            <a:noFill/>
+          </a:ln>
+        </p:spPr>
+        <p:style>
+          <a:lnRef idx="2">
+            <a:schemeClr val="accent1">
+              <a:shade val="50000"/>
+            </a:schemeClr>
+          </a:lnRef>
+          <a:fillRef idx="1">
+            <a:schemeClr val="accent1"/>
+          </a:fillRef>
+          <a:effectRef idx="0">
+            <a:schemeClr val="accent1"/>
+          </a:effectRef>
+          <a:fontRef idx="minor">
+            <a:schemeClr val="lt1"/>
+          </a:fontRef>
+        </p:style>
+        <p:txBody>
+          <a:bodyPr wrap="square" rtlCol="0" anchor="ctr">
+            <a:noAutofit/>
+          </a:bodyPr>
+          <a:lstStyle/>
+          <a:p>
+            <a:pPr algn="ctr"/>
+            <a:endParaRPr lang="en-US"/>
+          </a:p>
+        </p:txBody>
+      </p:sp>
+      <p:sp>
+        <p:nvSpPr>
           <p:cNvPr id="2" name="Titre 1">
             <a:extLst>
               <a:ext uri="{FF2B5EF4-FFF2-40B4-BE49-F238E27FC236}">
@@ -7184,9 +8630,16 @@
             <p:ph type="title"/>
           </p:nvPr>
         </p:nvSpPr>
-        <p:spPr/>
+        <p:spPr>
+          <a:xfrm>
+            <a:off x="4384039" y="365125"/>
+            <a:ext cx="7164493" cy="1325563"/>
+          </a:xfrm>
+        </p:spPr>
         <p:txBody>
-          <a:bodyPr/>
+          <a:bodyPr>
+            <a:normAutofit/>
+          </a:bodyPr>
           <a:lstStyle/>
           <a:p>
             <a:r>
@@ -7197,6 +8650,30 @@
           </a:p>
         </p:txBody>
       </p:sp>
+      <p:pic>
+        <p:nvPicPr>
+          <p:cNvPr id="4" name="Image 3"/>
+          <p:cNvPicPr>
+            <a:picLocks noChangeAspect="1"/>
+          </p:cNvPicPr>
+          <p:nvPr/>
+        </p:nvPicPr>
+        <p:blipFill>
+          <a:blip r:embed="rId2"/>
+          <a:stretch>
+            <a:fillRect/>
+          </a:stretch>
+        </p:blipFill>
+        <p:spPr>
+          <a:xfrm>
+            <a:off x="837663" y="642988"/>
+            <a:ext cx="2710750" cy="5571543"/>
+          </a:xfrm>
+          <a:prstGeom prst="rect">
+            <a:avLst/>
+          </a:prstGeom>
+        </p:spPr>
+      </p:pic>
       <p:sp>
         <p:nvSpPr>
           <p:cNvPr id="3" name="Espace réservé du contenu 2">
@@ -7213,36 +8690,35 @@
             <p:ph idx="1"/>
           </p:nvPr>
         </p:nvSpPr>
-        <p:spPr/>
+        <p:spPr>
+          <a:xfrm>
+            <a:off x="4387515" y="2022601"/>
+            <a:ext cx="7161017" cy="4154361"/>
+          </a:xfrm>
+        </p:spPr>
         <p:txBody>
-          <a:bodyPr/>
+          <a:bodyPr>
+            <a:normAutofit/>
+          </a:bodyPr>
           <a:lstStyle/>
           <a:p>
             <a:r>
-              <a:rPr lang="fr-CH" dirty="0"/>
+              <a:rPr lang="fr-CH" sz="2000"/>
               <a:t>Schématisation du programme</a:t>
             </a:r>
           </a:p>
           <a:p>
             <a:r>
-              <a:rPr lang="fr-CH" dirty="0"/>
+              <a:rPr lang="fr-CH" sz="2000"/>
               <a:t>Ecriture des "User stories" -&gt; tableau Agile</a:t>
             </a:r>
           </a:p>
           <a:p>
             <a:r>
-              <a:rPr lang="fr-CH" dirty="0"/>
-              <a:t>Ecriture du </a:t>
-            </a:r>
-            <a:r>
-              <a:rPr lang="fr-CH" dirty="0" err="1"/>
-              <a:t>Readme</a:t>
-            </a:r>
-            <a:r>
-              <a:rPr lang="fr-CH" dirty="0"/>
-              <a:t> et des fonctions</a:t>
-            </a:r>
-            <a:endParaRPr lang="de-CH" dirty="0"/>
+              <a:rPr lang="fr-CH" sz="2000"/>
+              <a:t>Ecriture du Readme et des fonctions</a:t>
+            </a:r>
+            <a:endParaRPr lang="de-CH" sz="2000"/>
           </a:p>
         </p:txBody>
       </p:sp>
@@ -7254,7 +8730,7 @@
     </p:extLst>
   </p:cSld>
   <p:clrMapOvr>
-    <a:masterClrMapping/>
+    <a:overrideClrMapping bg1="dk1" tx1="lt1" bg2="dk2" tx2="lt2" accent1="accent1" accent2="accent2" accent3="accent3" accent4="accent4" accent5="accent5" accent6="accent6" hlink="hlink" folHlink="folHlink"/>
   </p:clrMapOvr>
 </p:sld>
 </file>
@@ -7262,6 +8738,14 @@
 <file path=ppt/slides/slide4.xml><?xml version="1.0" encoding="utf-8"?>
 <p:sld xmlns:a="http://schemas.openxmlformats.org/drawingml/2006/main" xmlns:r="http://schemas.openxmlformats.org/officeDocument/2006/relationships" xmlns:p="http://schemas.openxmlformats.org/presentationml/2006/main">
   <p:cSld>
+    <p:bg>
+      <p:bgPr>
+        <a:solidFill>
+          <a:schemeClr val="bg1"/>
+        </a:solidFill>
+        <a:effectLst/>
+      </p:bgPr>
+    </p:bg>
     <p:spTree>
       <p:nvGrpSpPr>
         <p:cNvPr id="1" name=""/>
@@ -7278,6 +8762,70 @@
       </p:grpSpPr>
       <p:sp>
         <p:nvSpPr>
+          <p:cNvPr id="9" name="Rectangle 8">
+            <a:extLst>
+              <a:ext uri="{FF2B5EF4-FFF2-40B4-BE49-F238E27FC236}">
+                <a16:creationId xmlns:a16="http://schemas.microsoft.com/office/drawing/2014/main" id="{867D4867-5BA7-4462-B2F6-A23F4A622AA7}"/>
+              </a:ext>
+              <a:ext uri="{C183D7F6-B498-43B3-948B-1728B52AA6E4}">
+                <adec:decorative xmlns="" xmlns:adec="http://schemas.microsoft.com/office/drawing/2017/decorative" val="1"/>
+              </a:ext>
+            </a:extLst>
+          </p:cNvPr>
+          <p:cNvSpPr>
+            <a:spLocks noGrp="1" noRot="1" noChangeAspect="1" noMove="1" noResize="1" noEditPoints="1" noAdjustHandles="1" noChangeArrowheads="1" noChangeShapeType="1" noTextEdit="1"/>
+          </p:cNvSpPr>
+          <p:nvPr>
+            <p:extLst>
+              <p:ext uri="{386F3935-93C4-4BCD-93E2-E3B085C9AB24}">
+                <p16:designElem xmlns:p16="http://schemas.microsoft.com/office/powerpoint/2015/main" val="1"/>
+              </p:ext>
+            </p:extLst>
+          </p:nvPr>
+        </p:nvSpPr>
+        <p:spPr>
+          <a:xfrm>
+            <a:off x="0" y="0"/>
+            <a:ext cx="4654296" cy="6858000"/>
+          </a:xfrm>
+          <a:prstGeom prst="rect">
+            <a:avLst/>
+          </a:prstGeom>
+          <a:solidFill>
+            <a:schemeClr val="tx1">
+              <a:lumMod val="75000"/>
+              <a:lumOff val="25000"/>
+            </a:schemeClr>
+          </a:solidFill>
+          <a:ln>
+            <a:noFill/>
+          </a:ln>
+        </p:spPr>
+        <p:style>
+          <a:lnRef idx="0">
+            <a:scrgbClr r="0" g="0" b="0"/>
+          </a:lnRef>
+          <a:fillRef idx="0">
+            <a:scrgbClr r="0" g="0" b="0"/>
+          </a:fillRef>
+          <a:effectRef idx="0">
+            <a:scrgbClr r="0" g="0" b="0"/>
+          </a:effectRef>
+          <a:fontRef idx="minor">
+            <a:schemeClr val="lt1"/>
+          </a:fontRef>
+        </p:style>
+        <p:txBody>
+          <a:bodyPr rtlCol="0" anchor="ctr"/>
+          <a:lstStyle/>
+          <a:p>
+            <a:pPr algn="ctr"/>
+            <a:endParaRPr lang="en-US"/>
+          </a:p>
+        </p:txBody>
+      </p:sp>
+      <p:sp>
+        <p:nvSpPr>
           <p:cNvPr id="2" name="Titre 1">
             <a:extLst>
               <a:ext uri="{FF2B5EF4-FFF2-40B4-BE49-F238E27FC236}">
@@ -7292,16 +8840,38 @@
             <p:ph type="title"/>
           </p:nvPr>
         </p:nvSpPr>
-        <p:spPr/>
+        <p:spPr>
+          <a:xfrm>
+            <a:off x="643467" y="643467"/>
+            <a:ext cx="3363974" cy="1597315"/>
+          </a:xfrm>
+          <a:noFill/>
+          <a:ln w="19050">
+            <a:solidFill>
+              <a:schemeClr val="bg1"/>
+            </a:solidFill>
+          </a:ln>
+        </p:spPr>
         <p:txBody>
-          <a:bodyPr/>
+          <a:bodyPr wrap="square">
+            <a:normAutofit/>
+          </a:bodyPr>
           <a:lstStyle/>
           <a:p>
-            <a:r>
-              <a:rPr lang="fr-CH" dirty="0"/>
+            <a:pPr algn="ctr"/>
+            <a:r>
+              <a:rPr lang="fr-CH" sz="2800">
+                <a:solidFill>
+                  <a:schemeClr val="bg1"/>
+                </a:solidFill>
+              </a:rPr>
               <a:t>Construire la base de données</a:t>
             </a:r>
-            <a:endParaRPr lang="de-CH" dirty="0"/>
+            <a:endParaRPr lang="de-CH" sz="2800">
+              <a:solidFill>
+                <a:schemeClr val="bg1"/>
+              </a:solidFill>
+            </a:endParaRPr>
           </a:p>
         </p:txBody>
       </p:sp>
@@ -7321,53 +8891,84 @@
             <p:ph idx="1"/>
           </p:nvPr>
         </p:nvSpPr>
-        <p:spPr/>
+        <p:spPr>
+          <a:xfrm>
+            <a:off x="643468" y="2638044"/>
+            <a:ext cx="3363974" cy="3415622"/>
+          </a:xfrm>
+        </p:spPr>
         <p:txBody>
-          <a:bodyPr/>
+          <a:bodyPr>
+            <a:normAutofit/>
+          </a:bodyPr>
           <a:lstStyle/>
           <a:p>
             <a:r>
-              <a:rPr lang="fr-CH" dirty="0"/>
+              <a:rPr lang="fr-CH" sz="2000" dirty="0">
+                <a:solidFill>
+                  <a:schemeClr val="bg1"/>
+                </a:solidFill>
+              </a:rPr>
               <a:t>Tableau Agile + </a:t>
             </a:r>
             <a:r>
-              <a:rPr lang="fr-CH" dirty="0" err="1"/>
+              <a:rPr lang="fr-CH" sz="2000" dirty="0" err="1">
+                <a:solidFill>
+                  <a:schemeClr val="bg1"/>
+                </a:solidFill>
+              </a:rPr>
               <a:t>Readme</a:t>
             </a:r>
             <a:r>
-              <a:rPr lang="fr-CH" dirty="0"/>
-              <a:t> -&gt; </a:t>
-            </a:r>
-            <a:r>
-              <a:rPr lang="fr-CH" dirty="0" err="1"/>
-              <a:t>définission</a:t>
-            </a:r>
-            <a:r>
-              <a:rPr lang="fr-CH" dirty="0"/>
-              <a:t> de la BDD</a:t>
-            </a:r>
-          </a:p>
-          <a:p>
-            <a:r>
-              <a:rPr lang="fr-CH" dirty="0"/>
+              <a:rPr lang="fr-CH" sz="2000" dirty="0">
+                <a:solidFill>
+                  <a:schemeClr val="bg1"/>
+                </a:solidFill>
+              </a:rPr>
+              <a:t> -&gt; définition de la BDD</a:t>
+            </a:r>
+          </a:p>
+          <a:p>
+            <a:r>
+              <a:rPr lang="fr-CH" sz="2000" dirty="0">
+                <a:solidFill>
+                  <a:schemeClr val="bg1"/>
+                </a:solidFill>
+              </a:rPr>
               <a:t>Création du MPD pour visualisation technique</a:t>
             </a:r>
-          </a:p>
-          <a:p>
-            <a:r>
-              <a:rPr lang="fr-CH" dirty="0"/>
-              <a:t>Génération du code SQL de création</a:t>
-            </a:r>
-          </a:p>
-          <a:p>
-            <a:r>
-              <a:rPr lang="fr-CH" dirty="0"/>
-              <a:t>Création d'un fichier insert pour test</a:t>
-            </a:r>
-            <a:endParaRPr lang="de-CH" dirty="0"/>
+            <a:endParaRPr lang="de-CH" sz="2000" dirty="0">
+              <a:solidFill>
+                <a:schemeClr val="bg1"/>
+              </a:solidFill>
+            </a:endParaRPr>
           </a:p>
         </p:txBody>
       </p:sp>
+      <p:pic>
+        <p:nvPicPr>
+          <p:cNvPr id="4" name="Image 3"/>
+          <p:cNvPicPr>
+            <a:picLocks noChangeAspect="1"/>
+          </p:cNvPicPr>
+          <p:nvPr/>
+        </p:nvPicPr>
+        <p:blipFill>
+          <a:blip r:embed="rId2"/>
+          <a:stretch>
+            <a:fillRect/>
+          </a:stretch>
+        </p:blipFill>
+        <p:spPr>
+          <a:xfrm>
+            <a:off x="5297763" y="1746807"/>
+            <a:ext cx="6250769" cy="3203519"/>
+          </a:xfrm>
+          <a:prstGeom prst="rect">
+            <a:avLst/>
+          </a:prstGeom>
+        </p:spPr>
+      </p:pic>
     </p:spTree>
     <p:extLst>
       <p:ext uri="{BB962C8B-B14F-4D97-AF65-F5344CB8AC3E}">
@@ -7384,6 +8985,14 @@
 <file path=ppt/slides/slide5.xml><?xml version="1.0" encoding="utf-8"?>
 <p:sld xmlns:a="http://schemas.openxmlformats.org/drawingml/2006/main" xmlns:r="http://schemas.openxmlformats.org/officeDocument/2006/relationships" xmlns:p="http://schemas.openxmlformats.org/presentationml/2006/main">
   <p:cSld>
+    <p:bg>
+      <p:bgPr>
+        <a:solidFill>
+          <a:schemeClr val="bg1"/>
+        </a:solidFill>
+        <a:effectLst/>
+      </p:bgPr>
+    </p:bg>
     <p:spTree>
       <p:nvGrpSpPr>
         <p:cNvPr id="1" name=""/>
@@ -7400,10 +9009,105 @@
       </p:grpSpPr>
       <p:sp>
         <p:nvSpPr>
+          <p:cNvPr id="10" name="Down Arrow 7">
+            <a:extLst>
+              <a:ext uri="{FF2B5EF4-FFF2-40B4-BE49-F238E27FC236}">
+                <a16:creationId xmlns:a16="http://schemas.microsoft.com/office/drawing/2014/main" id="{73DE2CFE-42F2-48F0-8706-5264E012B10C}"/>
+              </a:ext>
+              <a:ext uri="{C183D7F6-B498-43B3-948B-1728B52AA6E4}">
+                <adec:decorative xmlns="" xmlns:adec="http://schemas.microsoft.com/office/drawing/2017/decorative" val="1"/>
+              </a:ext>
+            </a:extLst>
+          </p:cNvPr>
+          <p:cNvSpPr>
+            <a:spLocks noGrp="1" noRot="1" noChangeAspect="1" noMove="1" noResize="1" noEditPoints="1" noAdjustHandles="1" noChangeArrowheads="1" noChangeShapeType="1" noTextEdit="1"/>
+          </p:cNvSpPr>
+          <p:nvPr>
+            <p:extLst>
+              <p:ext uri="{386F3935-93C4-4BCD-93E2-E3B085C9AB24}">
+                <p16:designElem xmlns:p16="http://schemas.microsoft.com/office/powerpoint/2015/main" val="1"/>
+              </p:ext>
+            </p:extLst>
+          </p:nvPr>
+        </p:nvSpPr>
+        <p:spPr>
+          <a:xfrm rot="16200000">
+            <a:off x="1288521" y="381403"/>
+            <a:ext cx="2200313" cy="3342508"/>
+          </a:xfrm>
+          <a:prstGeom prst="downArrow">
+            <a:avLst>
+              <a:gd name="adj1" fmla="val 100000"/>
+              <a:gd name="adj2" fmla="val 15788"/>
+            </a:avLst>
+          </a:prstGeom>
+          <a:solidFill>
+            <a:srgbClr val="404040"/>
+          </a:solidFill>
+          <a:ln w="53975">
+            <a:noFill/>
+          </a:ln>
+        </p:spPr>
+        <p:style>
+          <a:lnRef idx="2">
+            <a:schemeClr val="accent1">
+              <a:shade val="50000"/>
+            </a:schemeClr>
+          </a:lnRef>
+          <a:fillRef idx="1">
+            <a:schemeClr val="accent1"/>
+          </a:fillRef>
+          <a:effectRef idx="0">
+            <a:schemeClr val="accent1"/>
+          </a:effectRef>
+          <a:fontRef idx="minor">
+            <a:schemeClr val="lt1"/>
+          </a:fontRef>
+        </p:style>
+        <p:txBody>
+          <a:bodyPr rtlCol="0" anchor="ctr"/>
+          <a:lstStyle/>
+          <a:p>
+            <a:pPr marL="0" marR="0" lvl="0" indent="0" algn="ctr" defTabSz="914400" rtl="0" eaLnBrk="1" fontAlgn="auto" latinLnBrk="0" hangingPunct="1">
+              <a:lnSpc>
+                <a:spcPct val="100000"/>
+              </a:lnSpc>
+              <a:spcBef>
+                <a:spcPts val="0"/>
+              </a:spcBef>
+              <a:spcAft>
+                <a:spcPts val="0"/>
+              </a:spcAft>
+              <a:buClrTx/>
+              <a:buSzTx/>
+              <a:buFontTx/>
+              <a:buNone/>
+              <a:tabLst/>
+              <a:defRPr/>
+            </a:pPr>
+            <a:endParaRPr kumimoji="0" lang="en-US" sz="1800" b="0" i="0" u="none" strike="noStrike" kern="1200" cap="none" spc="0" normalizeH="0" baseline="0" noProof="0">
+              <a:ln>
+                <a:noFill/>
+              </a:ln>
+              <a:solidFill>
+                <a:prstClr val="white"/>
+              </a:solidFill>
+              <a:effectLst/>
+              <a:uLnTx/>
+              <a:uFillTx/>
+              <a:latin typeface="Calibri" panose="020F0502020204030204"/>
+              <a:ea typeface="+mn-ea"/>
+              <a:cs typeface="+mn-cs"/>
+            </a:endParaRPr>
+          </a:p>
+        </p:txBody>
+      </p:sp>
+      <p:sp>
+        <p:nvSpPr>
           <p:cNvPr id="2" name="Titre 1">
             <a:extLst>
               <a:ext uri="{FF2B5EF4-FFF2-40B4-BE49-F238E27FC236}">
-                <a16:creationId xmlns:a16="http://schemas.microsoft.com/office/drawing/2014/main" id="{11F861AE-1E23-4BC4-B72F-7649C0637BE4}"/>
+                <a16:creationId xmlns:a16="http://schemas.microsoft.com/office/drawing/2014/main" id="{0D486514-2A9F-4C7B-ABEC-7259EF46C1B6}"/>
               </a:ext>
             </a:extLst>
           </p:cNvPr>
@@ -7414,16 +9118,31 @@
             <p:ph type="title"/>
           </p:nvPr>
         </p:nvSpPr>
-        <p:spPr/>
+        <p:spPr>
+          <a:xfrm>
+            <a:off x="966952" y="1204108"/>
+            <a:ext cx="2669406" cy="1781175"/>
+          </a:xfrm>
+        </p:spPr>
         <p:txBody>
-          <a:bodyPr/>
+          <a:bodyPr>
+            <a:normAutofit/>
+          </a:bodyPr>
           <a:lstStyle/>
           <a:p>
             <a:r>
-              <a:rPr lang="fr-CH" dirty="0"/>
-              <a:t>Construire le programme</a:t>
-            </a:r>
-            <a:endParaRPr lang="de-CH" dirty="0"/>
+              <a:rPr lang="fr-CH" sz="3200">
+                <a:solidFill>
+                  <a:srgbClr val="FFFFFF"/>
+                </a:solidFill>
+              </a:rPr>
+              <a:t>Construire la base de données</a:t>
+            </a:r>
+            <a:endParaRPr lang="de-CH" sz="3200">
+              <a:solidFill>
+                <a:srgbClr val="FFFFFF"/>
+              </a:solidFill>
+            </a:endParaRPr>
           </a:p>
         </p:txBody>
       </p:sp>
@@ -7432,7 +9151,7 @@
           <p:cNvPr id="3" name="Espace réservé du contenu 2">
             <a:extLst>
               <a:ext uri="{FF2B5EF4-FFF2-40B4-BE49-F238E27FC236}">
-                <a16:creationId xmlns:a16="http://schemas.microsoft.com/office/drawing/2014/main" id="{E1FF292C-97CF-4155-AFAB-5ED3EB87A323}"/>
+                <a16:creationId xmlns:a16="http://schemas.microsoft.com/office/drawing/2014/main" id="{90AB4D88-FD8B-4E42-AE69-BD8D030BE28B}"/>
               </a:ext>
             </a:extLst>
           </p:cNvPr>
@@ -7443,80 +9162,60 @@
             <p:ph idx="1"/>
           </p:nvPr>
         </p:nvSpPr>
-        <p:spPr/>
+        <p:spPr>
+          <a:xfrm>
+            <a:off x="966951" y="3355130"/>
+            <a:ext cx="2669407" cy="2427333"/>
+          </a:xfrm>
+        </p:spPr>
         <p:txBody>
-          <a:bodyPr/>
+          <a:bodyPr>
+            <a:normAutofit/>
+          </a:bodyPr>
           <a:lstStyle/>
           <a:p>
             <a:r>
-              <a:rPr lang="fr-CH" dirty="0"/>
-              <a:t>Structure : 2 modules:</a:t>
-            </a:r>
-          </a:p>
-          <a:p>
-            <a:pPr lvl="1"/>
-            <a:r>
-              <a:rPr lang="fr-CH" dirty="0" err="1"/>
-              <a:t>Databaselink</a:t>
-            </a:r>
-            <a:r>
-              <a:rPr lang="fr-CH" dirty="0"/>
-              <a:t> -&gt; </a:t>
-            </a:r>
-            <a:r>
-              <a:rPr lang="fr-CH" dirty="0" err="1"/>
-              <a:t>intéraction</a:t>
-            </a:r>
-            <a:r>
-              <a:rPr lang="fr-CH" dirty="0"/>
-              <a:t> avec la </a:t>
-            </a:r>
-            <a:r>
-              <a:rPr lang="fr-CH" dirty="0" err="1"/>
-              <a:t>bdd</a:t>
-            </a:r>
-            <a:endParaRPr lang="fr-CH" dirty="0"/>
-          </a:p>
-          <a:p>
-            <a:pPr lvl="1"/>
-            <a:r>
-              <a:rPr lang="fr-CH" dirty="0"/>
-              <a:t>Main -&gt; contient les fonctions principale du programme</a:t>
-            </a:r>
-          </a:p>
-          <a:p>
-            <a:r>
-              <a:rPr lang="fr-CH" dirty="0"/>
-              <a:t>Développement des fonctions d'affichage et squelette du programme:</a:t>
-            </a:r>
-          </a:p>
-          <a:p>
-            <a:pPr lvl="1"/>
-            <a:r>
-              <a:rPr lang="fr-CH" dirty="0"/>
-              <a:t>Les menus : afficher les messages et les questions pour l'utilisateur</a:t>
-            </a:r>
-          </a:p>
-          <a:p>
-            <a:pPr lvl="1"/>
-            <a:r>
-              <a:rPr lang="fr-CH" dirty="0"/>
-              <a:t>Gestion des réponse : prendre entrées claviers et comparer</a:t>
-            </a:r>
-          </a:p>
-          <a:p>
-            <a:pPr lvl="1"/>
-            <a:r>
-              <a:rPr lang="fr-CH" dirty="0"/>
-              <a:t>Afficher les détails d'un aliment</a:t>
-            </a:r>
+              <a:rPr lang="fr-CH" sz="1600"/>
+              <a:t>Génération du code SQL de création</a:t>
+            </a:r>
+          </a:p>
+          <a:p>
+            <a:r>
+              <a:rPr lang="fr-CH" sz="1600"/>
+              <a:t>Création d'un fichier insert pour test</a:t>
+            </a:r>
+            <a:endParaRPr lang="de-CH" sz="1600"/>
           </a:p>
         </p:txBody>
       </p:sp>
+      <p:pic>
+        <p:nvPicPr>
+          <p:cNvPr id="5" name="Image 4"/>
+          <p:cNvPicPr>
+            <a:picLocks noChangeAspect="1"/>
+          </p:cNvPicPr>
+          <p:nvPr/>
+        </p:nvPicPr>
+        <p:blipFill>
+          <a:blip r:embed="rId2"/>
+          <a:stretch>
+            <a:fillRect/>
+          </a:stretch>
+        </p:blipFill>
+        <p:spPr>
+          <a:xfrm>
+            <a:off x="4662102" y="1326972"/>
+            <a:ext cx="6903723" cy="4081018"/>
+          </a:xfrm>
+          <a:prstGeom prst="rect">
+            <a:avLst/>
+          </a:prstGeom>
+        </p:spPr>
+      </p:pic>
     </p:spTree>
     <p:extLst>
       <p:ext uri="{BB962C8B-B14F-4D97-AF65-F5344CB8AC3E}">
-        <p14:creationId xmlns:p14="http://schemas.microsoft.com/office/powerpoint/2010/main" val="167140337"/>
+        <p14:creationId xmlns:p14="http://schemas.microsoft.com/office/powerpoint/2010/main" val="710645757"/>
       </p:ext>
     </p:extLst>
   </p:cSld>
@@ -7548,7 +9247,7 @@
           <p:cNvPr id="2" name="Titre 1">
             <a:extLst>
               <a:ext uri="{FF2B5EF4-FFF2-40B4-BE49-F238E27FC236}">
-                <a16:creationId xmlns:a16="http://schemas.microsoft.com/office/drawing/2014/main" id="{2D6E6530-2209-42CD-818E-296978049F1C}"/>
+                <a16:creationId xmlns:a16="http://schemas.microsoft.com/office/drawing/2014/main" id="{11F861AE-1E23-4BC4-B72F-7649C0637BE4}"/>
               </a:ext>
             </a:extLst>
           </p:cNvPr>
@@ -7559,19 +9258,14 @@
             <p:ph type="title"/>
           </p:nvPr>
         </p:nvSpPr>
-        <p:spPr>
-          <a:xfrm>
-            <a:off x="838200" y="365125"/>
-            <a:ext cx="10515600" cy="1325563"/>
-          </a:xfrm>
-        </p:spPr>
+        <p:spPr/>
         <p:txBody>
           <a:bodyPr/>
           <a:lstStyle/>
           <a:p>
             <a:r>
               <a:rPr lang="fr-CH" dirty="0"/>
-              <a:t>Interagir avec la base de données</a:t>
+              <a:t>Construire le programme</a:t>
             </a:r>
             <a:endParaRPr lang="de-CH" dirty="0"/>
           </a:p>
@@ -7582,7 +9276,7 @@
           <p:cNvPr id="3" name="Espace réservé du contenu 2">
             <a:extLst>
               <a:ext uri="{FF2B5EF4-FFF2-40B4-BE49-F238E27FC236}">
-                <a16:creationId xmlns:a16="http://schemas.microsoft.com/office/drawing/2014/main" id="{F223BFA0-C536-4169-BAB2-1E409C598FEA}"/>
+                <a16:creationId xmlns:a16="http://schemas.microsoft.com/office/drawing/2014/main" id="{E1FF292C-97CF-4155-AFAB-5ED3EB87A323}"/>
               </a:ext>
             </a:extLst>
           </p:cNvPr>
@@ -7595,88 +9289,341 @@
         </p:nvSpPr>
         <p:spPr/>
         <p:txBody>
-          <a:bodyPr>
-            <a:normAutofit/>
-          </a:bodyPr>
+          <a:bodyPr/>
           <a:lstStyle/>
           <a:p>
             <a:r>
               <a:rPr lang="fr-CH" dirty="0"/>
-              <a:t>Junction principale </a:t>
-            </a:r>
+              <a:t>Structure : 2 modules:</a:t>
+            </a:r>
+          </a:p>
+          <a:p>
+            <a:pPr lvl="1"/>
             <a:r>
               <a:rPr lang="fr-CH" dirty="0" err="1"/>
-              <a:t>databaselink</a:t>
-            </a:r>
-            <a:r>
-              <a:rPr lang="de-CH" dirty="0"/>
-              <a:t>:</a:t>
-            </a:r>
+              <a:t>Databaselink</a:t>
+            </a:r>
+            <a:r>
+              <a:rPr lang="fr-CH" dirty="0"/>
+              <a:t> -&gt; </a:t>
+            </a:r>
+            <a:r>
+              <a:rPr lang="fr-CH" dirty="0" err="1"/>
+              <a:t>intéraction</a:t>
+            </a:r>
+            <a:r>
+              <a:rPr lang="fr-CH" dirty="0"/>
+              <a:t> avec la </a:t>
+            </a:r>
+            <a:r>
+              <a:rPr lang="fr-CH" dirty="0" err="1"/>
+              <a:t>bdd</a:t>
+            </a:r>
+            <a:endParaRPr lang="fr-CH" dirty="0"/>
           </a:p>
           <a:p>
             <a:pPr lvl="1"/>
             <a:r>
               <a:rPr lang="fr-CH" dirty="0"/>
-              <a:t>C</a:t>
-            </a:r>
-            <a:r>
-              <a:rPr lang="de-CH" dirty="0" err="1"/>
-              <a:t>onnexion</a:t>
-            </a:r>
-            <a:r>
-              <a:rPr lang="de-CH" dirty="0"/>
-              <a:t> à la </a:t>
-            </a:r>
-            <a:r>
-              <a:rPr lang="de-CH" dirty="0" err="1"/>
-              <a:t>base</a:t>
-            </a:r>
-            <a:endParaRPr lang="de-CH" dirty="0"/>
-          </a:p>
-          <a:p>
-            <a:pPr lvl="1"/>
-            <a:r>
-              <a:rPr lang="fr-CH" dirty="0"/>
-              <a:t>Envoie de requêtes (Select &amp; Insert)</a:t>
-            </a:r>
-          </a:p>
-          <a:p>
-            <a:pPr lvl="1"/>
-            <a:r>
-              <a:rPr lang="fr-CH" dirty="0"/>
-              <a:t>Fermer la connexion</a:t>
-            </a:r>
-          </a:p>
-          <a:p>
-            <a:r>
-              <a:rPr lang="fr-CH" dirty="0"/>
-              <a:t>Permet de compléter le main:</a:t>
-            </a:r>
-          </a:p>
-          <a:p>
-            <a:pPr lvl="1"/>
-            <a:r>
-              <a:rPr lang="fr-CH" dirty="0"/>
-              <a:t>Les menus : afficher les noms des catégories ou aliments et avoir leurs ID.</a:t>
-            </a:r>
-          </a:p>
-          <a:p>
-            <a:pPr lvl="1"/>
-            <a:r>
-              <a:rPr lang="fr-CH" dirty="0"/>
-              <a:t>Finalisation du processus de recherche</a:t>
-            </a:r>
-          </a:p>
-          <a:p>
-            <a:pPr lvl="2"/>
-            <a:endParaRPr lang="fr-CH" dirty="0"/>
+              <a:t>Main -&gt; contient les fonctions principale du programme</a:t>
+            </a:r>
+          </a:p>
+        </p:txBody>
+      </p:sp>
+      <p:sp>
+        <p:nvSpPr>
+          <p:cNvPr id="7" name="Rectangle à coins arrondis 6"/>
+          <p:cNvSpPr/>
+          <p:nvPr/>
+        </p:nvSpPr>
+        <p:spPr>
+          <a:xfrm>
+            <a:off x="2183027" y="4001294"/>
+            <a:ext cx="1911178" cy="972066"/>
+          </a:xfrm>
+          <a:prstGeom prst="roundRect">
+            <a:avLst/>
+          </a:prstGeom>
+        </p:spPr>
+        <p:style>
+          <a:lnRef idx="2">
+            <a:schemeClr val="accent1">
+              <a:shade val="50000"/>
+            </a:schemeClr>
+          </a:lnRef>
+          <a:fillRef idx="1">
+            <a:schemeClr val="accent1"/>
+          </a:fillRef>
+          <a:effectRef idx="0">
+            <a:schemeClr val="accent1"/>
+          </a:effectRef>
+          <a:fontRef idx="minor">
+            <a:schemeClr val="lt1"/>
+          </a:fontRef>
+        </p:style>
+        <p:txBody>
+          <a:bodyPr rtlCol="0" anchor="ctr"/>
+          <a:lstStyle/>
+          <a:p>
+            <a:pPr algn="ctr"/>
+            <a:r>
+              <a:rPr lang="fr-FR" dirty="0"/>
+              <a:t>Main.py</a:t>
+            </a:r>
+          </a:p>
+        </p:txBody>
+      </p:sp>
+      <p:sp>
+        <p:nvSpPr>
+          <p:cNvPr id="8" name="Rectangle à coins arrondis 7"/>
+          <p:cNvSpPr/>
+          <p:nvPr/>
+        </p:nvSpPr>
+        <p:spPr>
+          <a:xfrm>
+            <a:off x="4967417" y="4001294"/>
+            <a:ext cx="1911178" cy="972066"/>
+          </a:xfrm>
+          <a:prstGeom prst="roundRect">
+            <a:avLst/>
+          </a:prstGeom>
+        </p:spPr>
+        <p:style>
+          <a:lnRef idx="2">
+            <a:schemeClr val="accent1">
+              <a:shade val="50000"/>
+            </a:schemeClr>
+          </a:lnRef>
+          <a:fillRef idx="1">
+            <a:schemeClr val="accent1"/>
+          </a:fillRef>
+          <a:effectRef idx="0">
+            <a:schemeClr val="accent1"/>
+          </a:effectRef>
+          <a:fontRef idx="minor">
+            <a:schemeClr val="lt1"/>
+          </a:fontRef>
+        </p:style>
+        <p:txBody>
+          <a:bodyPr rtlCol="0" anchor="ctr"/>
+          <a:lstStyle/>
+          <a:p>
+            <a:pPr algn="ctr"/>
+            <a:r>
+              <a:rPr lang="fr-FR" dirty="0"/>
+              <a:t>Databaselink.py</a:t>
+            </a:r>
+          </a:p>
+        </p:txBody>
+      </p:sp>
+      <p:sp>
+        <p:nvSpPr>
+          <p:cNvPr id="9" name="Rectangle à coins arrondis 8"/>
+          <p:cNvSpPr/>
+          <p:nvPr/>
+        </p:nvSpPr>
+        <p:spPr>
+          <a:xfrm>
+            <a:off x="7933038" y="4001294"/>
+            <a:ext cx="1911178" cy="972066"/>
+          </a:xfrm>
+          <a:prstGeom prst="roundRect">
+            <a:avLst/>
+          </a:prstGeom>
+        </p:spPr>
+        <p:style>
+          <a:lnRef idx="2">
+            <a:schemeClr val="accent1">
+              <a:shade val="50000"/>
+            </a:schemeClr>
+          </a:lnRef>
+          <a:fillRef idx="1">
+            <a:schemeClr val="accent1"/>
+          </a:fillRef>
+          <a:effectRef idx="0">
+            <a:schemeClr val="accent1"/>
+          </a:effectRef>
+          <a:fontRef idx="minor">
+            <a:schemeClr val="lt1"/>
+          </a:fontRef>
+        </p:style>
+        <p:txBody>
+          <a:bodyPr rtlCol="0" anchor="ctr"/>
+          <a:lstStyle/>
+          <a:p>
+            <a:pPr algn="ctr"/>
+            <a:r>
+              <a:rPr lang="fr-FR" dirty="0" err="1"/>
+              <a:t>Database</a:t>
+            </a:r>
+            <a:endParaRPr lang="fr-FR" dirty="0"/>
+          </a:p>
+        </p:txBody>
+      </p:sp>
+      <p:sp>
+        <p:nvSpPr>
+          <p:cNvPr id="10" name="Flèche droite 9"/>
+          <p:cNvSpPr/>
+          <p:nvPr/>
+        </p:nvSpPr>
+        <p:spPr>
+          <a:xfrm>
+            <a:off x="4291914" y="4163756"/>
+            <a:ext cx="477794" cy="247134"/>
+          </a:xfrm>
+          <a:prstGeom prst="rightArrow">
+            <a:avLst/>
+          </a:prstGeom>
+        </p:spPr>
+        <p:style>
+          <a:lnRef idx="2">
+            <a:schemeClr val="accent1">
+              <a:shade val="50000"/>
+            </a:schemeClr>
+          </a:lnRef>
+          <a:fillRef idx="1">
+            <a:schemeClr val="accent1"/>
+          </a:fillRef>
+          <a:effectRef idx="0">
+            <a:schemeClr val="accent1"/>
+          </a:effectRef>
+          <a:fontRef idx="minor">
+            <a:schemeClr val="lt1"/>
+          </a:fontRef>
+        </p:style>
+        <p:txBody>
+          <a:bodyPr rtlCol="0" anchor="ctr"/>
+          <a:lstStyle/>
+          <a:p>
+            <a:pPr algn="ctr"/>
+            <a:endParaRPr lang="fr-FR"/>
+          </a:p>
+        </p:txBody>
+      </p:sp>
+      <p:sp>
+        <p:nvSpPr>
+          <p:cNvPr id="11" name="Flèche droite 10"/>
+          <p:cNvSpPr/>
+          <p:nvPr/>
+        </p:nvSpPr>
+        <p:spPr>
+          <a:xfrm>
+            <a:off x="7158682" y="4163756"/>
+            <a:ext cx="477794" cy="247134"/>
+          </a:xfrm>
+          <a:prstGeom prst="rightArrow">
+            <a:avLst/>
+          </a:prstGeom>
+        </p:spPr>
+        <p:style>
+          <a:lnRef idx="2">
+            <a:schemeClr val="accent1">
+              <a:shade val="50000"/>
+            </a:schemeClr>
+          </a:lnRef>
+          <a:fillRef idx="1">
+            <a:schemeClr val="accent1"/>
+          </a:fillRef>
+          <a:effectRef idx="0">
+            <a:schemeClr val="accent1"/>
+          </a:effectRef>
+          <a:fontRef idx="minor">
+            <a:schemeClr val="lt1"/>
+          </a:fontRef>
+        </p:style>
+        <p:txBody>
+          <a:bodyPr rtlCol="0" anchor="ctr"/>
+          <a:lstStyle/>
+          <a:p>
+            <a:pPr algn="ctr"/>
+            <a:endParaRPr lang="fr-FR"/>
+          </a:p>
+        </p:txBody>
+      </p:sp>
+      <p:sp>
+        <p:nvSpPr>
+          <p:cNvPr id="12" name="Flèche droite 11"/>
+          <p:cNvSpPr/>
+          <p:nvPr/>
+        </p:nvSpPr>
+        <p:spPr>
+          <a:xfrm rot="10800000">
+            <a:off x="7166919" y="4520278"/>
+            <a:ext cx="477794" cy="247134"/>
+          </a:xfrm>
+          <a:prstGeom prst="rightArrow">
+            <a:avLst/>
+          </a:prstGeom>
+        </p:spPr>
+        <p:style>
+          <a:lnRef idx="2">
+            <a:schemeClr val="accent1">
+              <a:shade val="50000"/>
+            </a:schemeClr>
+          </a:lnRef>
+          <a:fillRef idx="1">
+            <a:schemeClr val="accent1"/>
+          </a:fillRef>
+          <a:effectRef idx="0">
+            <a:schemeClr val="accent1"/>
+          </a:effectRef>
+          <a:fontRef idx="minor">
+            <a:schemeClr val="lt1"/>
+          </a:fontRef>
+        </p:style>
+        <p:txBody>
+          <a:bodyPr rtlCol="0" anchor="ctr"/>
+          <a:lstStyle/>
+          <a:p>
+            <a:pPr algn="ctr"/>
+            <a:endParaRPr lang="fr-FR"/>
+          </a:p>
+        </p:txBody>
+      </p:sp>
+      <p:sp>
+        <p:nvSpPr>
+          <p:cNvPr id="13" name="Flèche droite 12"/>
+          <p:cNvSpPr/>
+          <p:nvPr/>
+        </p:nvSpPr>
+        <p:spPr>
+          <a:xfrm rot="10800000">
+            <a:off x="4291914" y="4520278"/>
+            <a:ext cx="477794" cy="247134"/>
+          </a:xfrm>
+          <a:prstGeom prst="rightArrow">
+            <a:avLst/>
+          </a:prstGeom>
+        </p:spPr>
+        <p:style>
+          <a:lnRef idx="2">
+            <a:schemeClr val="accent1">
+              <a:shade val="50000"/>
+            </a:schemeClr>
+          </a:lnRef>
+          <a:fillRef idx="1">
+            <a:schemeClr val="accent1"/>
+          </a:fillRef>
+          <a:effectRef idx="0">
+            <a:schemeClr val="accent1"/>
+          </a:effectRef>
+          <a:fontRef idx="minor">
+            <a:schemeClr val="lt1"/>
+          </a:fontRef>
+        </p:style>
+        <p:txBody>
+          <a:bodyPr rtlCol="0" anchor="ctr"/>
+          <a:lstStyle/>
+          <a:p>
+            <a:pPr algn="ctr"/>
+            <a:endParaRPr lang="fr-FR"/>
           </a:p>
         </p:txBody>
       </p:sp>
     </p:spTree>
     <p:extLst>
       <p:ext uri="{BB962C8B-B14F-4D97-AF65-F5344CB8AC3E}">
-        <p14:creationId xmlns:p14="http://schemas.microsoft.com/office/powerpoint/2010/main" val="1179560971"/>
+        <p14:creationId xmlns:p14="http://schemas.microsoft.com/office/powerpoint/2010/main" val="167140337"/>
       </p:ext>
     </p:extLst>
   </p:cSld>
@@ -7689,6 +9636,14 @@
 <file path=ppt/slides/slide7.xml><?xml version="1.0" encoding="utf-8"?>
 <p:sld xmlns:a="http://schemas.openxmlformats.org/drawingml/2006/main" xmlns:r="http://schemas.openxmlformats.org/officeDocument/2006/relationships" xmlns:p="http://schemas.openxmlformats.org/presentationml/2006/main">
   <p:cSld>
+    <p:bg>
+      <p:bgPr>
+        <a:solidFill>
+          <a:schemeClr val="bg1"/>
+        </a:solidFill>
+        <a:effectLst/>
+      </p:bgPr>
+    </p:bg>
     <p:spTree>
       <p:nvGrpSpPr>
         <p:cNvPr id="1" name=""/>
@@ -7705,10 +9660,105 @@
       </p:grpSpPr>
       <p:sp>
         <p:nvSpPr>
+          <p:cNvPr id="9" name="Down Arrow 7">
+            <a:extLst>
+              <a:ext uri="{FF2B5EF4-FFF2-40B4-BE49-F238E27FC236}">
+                <a16:creationId xmlns:a16="http://schemas.microsoft.com/office/drawing/2014/main" id="{73DE2CFE-42F2-48F0-8706-5264E012B10C}"/>
+              </a:ext>
+              <a:ext uri="{C183D7F6-B498-43B3-948B-1728B52AA6E4}">
+                <adec:decorative xmlns="" xmlns:adec="http://schemas.microsoft.com/office/drawing/2017/decorative" val="1"/>
+              </a:ext>
+            </a:extLst>
+          </p:cNvPr>
+          <p:cNvSpPr>
+            <a:spLocks noGrp="1" noRot="1" noChangeAspect="1" noMove="1" noResize="1" noEditPoints="1" noAdjustHandles="1" noChangeArrowheads="1" noChangeShapeType="1" noTextEdit="1"/>
+          </p:cNvSpPr>
+          <p:nvPr>
+            <p:extLst>
+              <p:ext uri="{386F3935-93C4-4BCD-93E2-E3B085C9AB24}">
+                <p16:designElem xmlns:p16="http://schemas.microsoft.com/office/powerpoint/2015/main" val="1"/>
+              </p:ext>
+            </p:extLst>
+          </p:nvPr>
+        </p:nvSpPr>
+        <p:spPr>
+          <a:xfrm rot="16200000">
+            <a:off x="5662795" y="-3745097"/>
+            <a:ext cx="1354979" cy="10750169"/>
+          </a:xfrm>
+          <a:prstGeom prst="downArrow">
+            <a:avLst>
+              <a:gd name="adj1" fmla="val 100000"/>
+              <a:gd name="adj2" fmla="val 22582"/>
+            </a:avLst>
+          </a:prstGeom>
+          <a:solidFill>
+            <a:srgbClr val="404040"/>
+          </a:solidFill>
+          <a:ln w="53975">
+            <a:noFill/>
+          </a:ln>
+        </p:spPr>
+        <p:style>
+          <a:lnRef idx="2">
+            <a:schemeClr val="accent1">
+              <a:shade val="50000"/>
+            </a:schemeClr>
+          </a:lnRef>
+          <a:fillRef idx="1">
+            <a:schemeClr val="accent1"/>
+          </a:fillRef>
+          <a:effectRef idx="0">
+            <a:schemeClr val="accent1"/>
+          </a:effectRef>
+          <a:fontRef idx="minor">
+            <a:schemeClr val="lt1"/>
+          </a:fontRef>
+        </p:style>
+        <p:txBody>
+          <a:bodyPr rtlCol="0" anchor="ctr"/>
+          <a:lstStyle/>
+          <a:p>
+            <a:pPr marL="0" marR="0" lvl="0" indent="0" algn="ctr" defTabSz="914400" rtl="0" eaLnBrk="1" fontAlgn="auto" latinLnBrk="0" hangingPunct="1">
+              <a:lnSpc>
+                <a:spcPct val="100000"/>
+              </a:lnSpc>
+              <a:spcBef>
+                <a:spcPts val="0"/>
+              </a:spcBef>
+              <a:spcAft>
+                <a:spcPts val="0"/>
+              </a:spcAft>
+              <a:buClrTx/>
+              <a:buSzTx/>
+              <a:buFontTx/>
+              <a:buNone/>
+              <a:tabLst/>
+              <a:defRPr/>
+            </a:pPr>
+            <a:endParaRPr kumimoji="0" lang="en-US" sz="1800" b="0" i="0" u="none" strike="noStrike" kern="1200" cap="none" spc="0" normalizeH="0" baseline="0" noProof="0">
+              <a:ln>
+                <a:noFill/>
+              </a:ln>
+              <a:solidFill>
+                <a:prstClr val="white"/>
+              </a:solidFill>
+              <a:effectLst/>
+              <a:uLnTx/>
+              <a:uFillTx/>
+              <a:latin typeface="Calibri" panose="020F0502020204030204"/>
+              <a:ea typeface="+mn-ea"/>
+              <a:cs typeface="+mn-cs"/>
+            </a:endParaRPr>
+          </a:p>
+        </p:txBody>
+      </p:sp>
+      <p:sp>
+        <p:nvSpPr>
           <p:cNvPr id="2" name="Titre 1">
             <a:extLst>
               <a:ext uri="{FF2B5EF4-FFF2-40B4-BE49-F238E27FC236}">
-                <a16:creationId xmlns:a16="http://schemas.microsoft.com/office/drawing/2014/main" id="{47700C6A-DC8D-481C-A8EA-497F377F584D}"/>
+                <a16:creationId xmlns:a16="http://schemas.microsoft.com/office/drawing/2014/main" id="{11F861AE-1E23-4BC4-B72F-7649C0637BE4}"/>
               </a:ext>
             </a:extLst>
           </p:cNvPr>
@@ -7719,16 +9769,31 @@
             <p:ph type="title"/>
           </p:nvPr>
         </p:nvSpPr>
-        <p:spPr/>
+        <p:spPr>
+          <a:xfrm>
+            <a:off x="1286932" y="1204109"/>
+            <a:ext cx="10023398" cy="857894"/>
+          </a:xfrm>
+        </p:spPr>
         <p:txBody>
-          <a:bodyPr/>
+          <a:bodyPr>
+            <a:normAutofit/>
+          </a:bodyPr>
           <a:lstStyle/>
           <a:p>
             <a:r>
-              <a:rPr lang="fr-CH" dirty="0"/>
-              <a:t>Interagir avec la base de données</a:t>
-            </a:r>
-            <a:endParaRPr lang="de-CH" dirty="0"/>
+              <a:rPr lang="fr-CH" sz="4000">
+                <a:solidFill>
+                  <a:srgbClr val="FFFFFF"/>
+                </a:solidFill>
+              </a:rPr>
+              <a:t>Construire le programme</a:t>
+            </a:r>
+            <a:endParaRPr lang="de-CH" sz="4000">
+              <a:solidFill>
+                <a:srgbClr val="FFFFFF"/>
+              </a:solidFill>
+            </a:endParaRPr>
           </a:p>
         </p:txBody>
       </p:sp>
@@ -7737,7 +9802,7 @@
           <p:cNvPr id="3" name="Espace réservé du contenu 2">
             <a:extLst>
               <a:ext uri="{FF2B5EF4-FFF2-40B4-BE49-F238E27FC236}">
-                <a16:creationId xmlns:a16="http://schemas.microsoft.com/office/drawing/2014/main" id="{7541B332-1441-435B-B8E0-03CDCAD5BFB8}"/>
+                <a16:creationId xmlns:a16="http://schemas.microsoft.com/office/drawing/2014/main" id="{E1FF292C-97CF-4155-AFAB-5ED3EB87A323}"/>
               </a:ext>
             </a:extLst>
           </p:cNvPr>
@@ -7748,81 +9813,74 @@
             <p:ph idx="1"/>
           </p:nvPr>
         </p:nvSpPr>
-        <p:spPr/>
+        <p:spPr>
+          <a:xfrm>
+            <a:off x="1286930" y="2962451"/>
+            <a:ext cx="4052499" cy="2820012"/>
+          </a:xfrm>
+        </p:spPr>
         <p:txBody>
-          <a:bodyPr/>
+          <a:bodyPr>
+            <a:normAutofit/>
+          </a:bodyPr>
           <a:lstStyle/>
           <a:p>
             <a:r>
-              <a:rPr lang="fr-CH" dirty="0"/>
-              <a:t>Processus de recherche:</a:t>
+              <a:rPr lang="fr-CH" sz="1800"/>
+              <a:t>Développement des fonctions d'affichage et squelette du programme:</a:t>
             </a:r>
           </a:p>
           <a:p>
             <a:pPr lvl="1"/>
             <a:r>
-              <a:rPr lang="fr-CH" dirty="0"/>
-              <a:t>Composé des deux fonctions principales.</a:t>
+              <a:rPr lang="fr-CH" sz="1800"/>
+              <a:t>Les menus : afficher les messages et les questions pour l'utilisateur</a:t>
             </a:r>
           </a:p>
           <a:p>
             <a:pPr lvl="1"/>
             <a:r>
-              <a:rPr lang="fr-CH" dirty="0"/>
-              <a:t>Une fonction qui cherche un </a:t>
-            </a:r>
-            <a:r>
-              <a:rPr lang="fr-CH" dirty="0" err="1"/>
-              <a:t>subsitut</a:t>
-            </a:r>
-            <a:r>
-              <a:rPr lang="fr-CH" dirty="0"/>
-              <a:t> suivant une condition</a:t>
+              <a:rPr lang="fr-CH" sz="1800"/>
+              <a:t>Gestion des réponse : prendre entrées claviers et comparer</a:t>
             </a:r>
           </a:p>
           <a:p>
             <a:pPr lvl="1"/>
             <a:r>
-              <a:rPr lang="fr-CH" dirty="0"/>
-              <a:t>Une fonction qui traite le résultat obtenu:</a:t>
-            </a:r>
-          </a:p>
-          <a:p>
-            <a:pPr lvl="2"/>
-            <a:r>
-              <a:rPr lang="fr-CH" dirty="0"/>
-              <a:t>Un substitut avec une meilleure note est trouvé -&gt; on continu le processus</a:t>
-            </a:r>
-            <a:endParaRPr lang="de-CH" dirty="0"/>
-          </a:p>
-          <a:p>
-            <a:pPr lvl="2"/>
-            <a:r>
-              <a:rPr lang="fr-CH" dirty="0"/>
-              <a:t>Aucun substitut avec une meilleure note n'est trouvé -&gt; relancer la recherche pour un substitut de même valeur</a:t>
-            </a:r>
-            <a:endParaRPr lang="de-CH" dirty="0"/>
-          </a:p>
-          <a:p>
-            <a:pPr lvl="2"/>
-            <a:r>
-              <a:rPr lang="fr-CH" dirty="0"/>
-              <a:t>Aucun substitut avec une même valeur n'est trouvé -&gt; relancer la recherche pour un substitut de valeur inférieur</a:t>
-            </a:r>
-            <a:endParaRPr lang="de-CH" dirty="0"/>
-          </a:p>
-          <a:p>
-            <a:pPr marL="0" indent="0">
-              <a:buNone/>
-            </a:pPr>
-            <a:endParaRPr lang="de-CH" dirty="0"/>
+              <a:rPr lang="fr-CH" sz="1800"/>
+              <a:t>Afficher les détails d'un aliment</a:t>
+            </a:r>
           </a:p>
         </p:txBody>
       </p:sp>
+      <p:pic>
+        <p:nvPicPr>
+          <p:cNvPr id="4" name="Image 3"/>
+          <p:cNvPicPr>
+            <a:picLocks noChangeAspect="1"/>
+          </p:cNvPicPr>
+          <p:nvPr/>
+        </p:nvPicPr>
+        <p:blipFill>
+          <a:blip r:embed="rId2"/>
+          <a:stretch>
+            <a:fillRect/>
+          </a:stretch>
+        </p:blipFill>
+        <p:spPr>
+          <a:xfrm>
+            <a:off x="6168711" y="2962451"/>
+            <a:ext cx="4980668" cy="2820012"/>
+          </a:xfrm>
+          <a:prstGeom prst="rect">
+            <a:avLst/>
+          </a:prstGeom>
+        </p:spPr>
+      </p:pic>
     </p:spTree>
     <p:extLst>
       <p:ext uri="{BB962C8B-B14F-4D97-AF65-F5344CB8AC3E}">
-        <p14:creationId xmlns:p14="http://schemas.microsoft.com/office/powerpoint/2010/main" val="881176456"/>
+        <p14:creationId xmlns:p14="http://schemas.microsoft.com/office/powerpoint/2010/main" val="1356870312"/>
       </p:ext>
     </p:extLst>
   </p:cSld>
@@ -7835,6 +9893,14 @@
 <file path=ppt/slides/slide8.xml><?xml version="1.0" encoding="utf-8"?>
 <p:sld xmlns:a="http://schemas.openxmlformats.org/drawingml/2006/main" xmlns:r="http://schemas.openxmlformats.org/officeDocument/2006/relationships" xmlns:p="http://schemas.openxmlformats.org/presentationml/2006/main">
   <p:cSld>
+    <p:bg>
+      <p:bgPr>
+        <a:solidFill>
+          <a:schemeClr val="bg1"/>
+        </a:solidFill>
+        <a:effectLst/>
+      </p:bgPr>
+    </p:bg>
     <p:spTree>
       <p:nvGrpSpPr>
         <p:cNvPr id="1" name=""/>
@@ -7851,10 +9917,141 @@
       </p:grpSpPr>
       <p:sp>
         <p:nvSpPr>
+          <p:cNvPr id="11" name="Rectangle 9">
+            <a:extLst>
+              <a:ext uri="{FF2B5EF4-FFF2-40B4-BE49-F238E27FC236}">
+                <a16:creationId xmlns:a16="http://schemas.microsoft.com/office/drawing/2014/main" id="{7D8E67F2-F753-4E06-8229-4970A6725835}"/>
+              </a:ext>
+              <a:ext uri="{C183D7F6-B498-43B3-948B-1728B52AA6E4}">
+                <adec:decorative xmlns="" xmlns:adec="http://schemas.microsoft.com/office/drawing/2017/decorative" val="1"/>
+              </a:ext>
+            </a:extLst>
+          </p:cNvPr>
+          <p:cNvSpPr>
+            <a:spLocks noGrp="1" noRot="1" noChangeAspect="1" noMove="1" noResize="1" noEditPoints="1" noAdjustHandles="1" noChangeArrowheads="1" noChangeShapeType="1" noTextEdit="1"/>
+          </p:cNvSpPr>
+          <p:nvPr>
+            <p:extLst>
+              <p:ext uri="{386F3935-93C4-4BCD-93E2-E3B085C9AB24}">
+                <p16:designElem xmlns:p16="http://schemas.microsoft.com/office/powerpoint/2015/main" val="1"/>
+              </p:ext>
+            </p:extLst>
+          </p:nvPr>
+        </p:nvSpPr>
+        <p:spPr>
+          <a:xfrm>
+            <a:off x="0" y="0"/>
+            <a:ext cx="6483095" cy="6854272"/>
+          </a:xfrm>
+          <a:prstGeom prst="rect">
+            <a:avLst/>
+          </a:prstGeom>
+          <a:gradFill>
+            <a:gsLst>
+              <a:gs pos="0">
+                <a:schemeClr val="accent1">
+                  <a:lumMod val="100000"/>
+                  <a:alpha val="82000"/>
+                </a:schemeClr>
+              </a:gs>
+              <a:gs pos="25000">
+                <a:schemeClr val="accent1">
+                  <a:alpha val="60000"/>
+                </a:schemeClr>
+              </a:gs>
+              <a:gs pos="94000">
+                <a:schemeClr val="bg2">
+                  <a:lumMod val="75000"/>
+                </a:schemeClr>
+              </a:gs>
+              <a:gs pos="100000">
+                <a:schemeClr val="bg2">
+                  <a:lumMod val="75000"/>
+                </a:schemeClr>
+              </a:gs>
+            </a:gsLst>
+            <a:lin ang="4200000" scaled="0"/>
+          </a:gradFill>
+          <a:ln>
+            <a:noFill/>
+          </a:ln>
+        </p:spPr>
+        <p:style>
+          <a:lnRef idx="2">
+            <a:schemeClr val="accent1">
+              <a:shade val="50000"/>
+            </a:schemeClr>
+          </a:lnRef>
+          <a:fillRef idx="1">
+            <a:schemeClr val="accent1"/>
+          </a:fillRef>
+          <a:effectRef idx="0">
+            <a:schemeClr val="accent1"/>
+          </a:effectRef>
+          <a:fontRef idx="minor">
+            <a:schemeClr val="lt1"/>
+          </a:fontRef>
+        </p:style>
+        <p:txBody>
+          <a:bodyPr rtlCol="0" anchor="ctr"/>
+          <a:lstStyle/>
+          <a:p>
+            <a:pPr algn="ctr"/>
+            <a:endParaRPr lang="en-US"/>
+          </a:p>
+        </p:txBody>
+      </p:sp>
+      <p:pic>
+        <p:nvPicPr>
+          <p:cNvPr id="13" name="Picture 11">
+            <a:extLst>
+              <a:ext uri="{FF2B5EF4-FFF2-40B4-BE49-F238E27FC236}">
+                <a16:creationId xmlns:a16="http://schemas.microsoft.com/office/drawing/2014/main" id="{2EE1BDFD-564B-44A4-841A-50D6A8E75CB4}"/>
+              </a:ext>
+              <a:ext uri="{C183D7F6-B498-43B3-948B-1728B52AA6E4}">
+                <adec:decorative xmlns="" xmlns:adec="http://schemas.microsoft.com/office/drawing/2017/decorative" val="1"/>
+              </a:ext>
+            </a:extLst>
+          </p:cNvPr>
+          <p:cNvPicPr>
+            <a:picLocks noGrp="1" noRot="1" noChangeAspect="1" noMove="1" noResize="1" noEditPoints="1" noAdjustHandles="1" noChangeArrowheads="1" noChangeShapeType="1" noCrop="1"/>
+          </p:cNvPicPr>
+          <p:nvPr>
+            <p:extLst>
+              <p:ext uri="{386F3935-93C4-4BCD-93E2-E3B085C9AB24}">
+                <p16:designElem xmlns:p16="http://schemas.microsoft.com/office/powerpoint/2015/main" val="1"/>
+              </p:ext>
+            </p:extLst>
+          </p:nvPr>
+        </p:nvPicPr>
+        <p:blipFill>
+          <a:blip r:embed="rId2">
+            <a:extLst>
+              <a:ext uri="{28A0092B-C50C-407E-A947-70E740481C1C}">
+                <a14:useLocalDpi xmlns:a14="http://schemas.microsoft.com/office/drawing/2010/main" val="0"/>
+              </a:ext>
+            </a:extLst>
+          </a:blip>
+          <a:stretch>
+            <a:fillRect/>
+          </a:stretch>
+        </p:blipFill>
+        <p:spPr>
+          <a:xfrm>
+            <a:off x="0" y="0"/>
+            <a:ext cx="12192000" cy="6858000"/>
+          </a:xfrm>
+          <a:prstGeom prst="rect">
+            <a:avLst/>
+          </a:prstGeom>
+        </p:spPr>
+      </p:pic>
+      <p:sp>
+        <p:nvSpPr>
           <p:cNvPr id="2" name="Titre 1">
             <a:extLst>
               <a:ext uri="{FF2B5EF4-FFF2-40B4-BE49-F238E27FC236}">
-                <a16:creationId xmlns:a16="http://schemas.microsoft.com/office/drawing/2014/main" id="{668FB674-084C-4C41-91E5-0850AE14368F}"/>
+                <a16:creationId xmlns:a16="http://schemas.microsoft.com/office/drawing/2014/main" id="{2D6E6530-2209-42CD-818E-296978049F1C}"/>
               </a:ext>
             </a:extLst>
           </p:cNvPr>
@@ -7865,25 +10062,426 @@
             <p:ph type="title"/>
           </p:nvPr>
         </p:nvSpPr>
-        <p:spPr/>
+        <p:spPr>
+          <a:xfrm>
+            <a:off x="6094105" y="802955"/>
+            <a:ext cx="4977976" cy="1455996"/>
+          </a:xfrm>
+        </p:spPr>
         <p:txBody>
-          <a:bodyPr/>
+          <a:bodyPr>
+            <a:normAutofit/>
+          </a:bodyPr>
           <a:lstStyle/>
           <a:p>
             <a:r>
-              <a:rPr lang="fr-CH" dirty="0"/>
-              <a:t>Peupler la base de données</a:t>
-            </a:r>
-            <a:endParaRPr lang="de-CH" dirty="0"/>
+              <a:rPr lang="fr-CH" sz="4000">
+                <a:solidFill>
+                  <a:srgbClr val="000000"/>
+                </a:solidFill>
+              </a:rPr>
+              <a:t>Interagir avec la base de données</a:t>
+            </a:r>
+            <a:endParaRPr lang="de-CH" sz="4000">
+              <a:solidFill>
+                <a:srgbClr val="000000"/>
+              </a:solidFill>
+            </a:endParaRPr>
           </a:p>
         </p:txBody>
       </p:sp>
+      <p:sp>
+        <p:nvSpPr>
+          <p:cNvPr id="15" name="Freeform 60">
+            <a:extLst>
+              <a:ext uri="{FF2B5EF4-FFF2-40B4-BE49-F238E27FC236}">
+                <a16:creationId xmlns:a16="http://schemas.microsoft.com/office/drawing/2014/main" id="{007B8288-68CC-4847-8419-CF535B6B7EEA}"/>
+              </a:ext>
+              <a:ext uri="{C183D7F6-B498-43B3-948B-1728B52AA6E4}">
+                <adec:decorative xmlns="" xmlns:adec="http://schemas.microsoft.com/office/drawing/2017/decorative" val="1"/>
+              </a:ext>
+            </a:extLst>
+          </p:cNvPr>
+          <p:cNvSpPr>
+            <a:spLocks noGrp="1" noRot="1" noChangeAspect="1" noMove="1" noResize="1" noEditPoints="1" noAdjustHandles="1" noChangeArrowheads="1" noChangeShapeType="1" noTextEdit="1"/>
+          </p:cNvSpPr>
+          <p:nvPr>
+            <p:extLst>
+              <p:ext uri="{386F3935-93C4-4BCD-93E2-E3B085C9AB24}">
+                <p16:designElem xmlns:p16="http://schemas.microsoft.com/office/powerpoint/2015/main" val="1"/>
+              </p:ext>
+            </p:extLst>
+          </p:nvPr>
+        </p:nvSpPr>
+        <p:spPr>
+          <a:xfrm>
+            <a:off x="1763882" y="0"/>
+            <a:ext cx="3880988" cy="2206512"/>
+          </a:xfrm>
+          <a:custGeom>
+            <a:avLst/>
+            <a:gdLst>
+              <a:gd name="connsiteX0" fmla="*/ 20753 w 3960193"/>
+              <a:gd name="connsiteY0" fmla="*/ 0 h 2251543"/>
+              <a:gd name="connsiteX1" fmla="*/ 3939440 w 3960193"/>
+              <a:gd name="connsiteY1" fmla="*/ 0 h 2251543"/>
+              <a:gd name="connsiteX2" fmla="*/ 3949969 w 3960193"/>
+              <a:gd name="connsiteY2" fmla="*/ 68994 h 2251543"/>
+              <a:gd name="connsiteX3" fmla="*/ 3960193 w 3960193"/>
+              <a:gd name="connsiteY3" fmla="*/ 271447 h 2251543"/>
+              <a:gd name="connsiteX4" fmla="*/ 1980096 w 3960193"/>
+              <a:gd name="connsiteY4" fmla="*/ 2251543 h 2251543"/>
+              <a:gd name="connsiteX5" fmla="*/ 0 w 3960193"/>
+              <a:gd name="connsiteY5" fmla="*/ 271447 h 2251543"/>
+              <a:gd name="connsiteX6" fmla="*/ 10224 w 3960193"/>
+              <a:gd name="connsiteY6" fmla="*/ 68994 h 2251543"/>
+            </a:gdLst>
+            <a:ahLst/>
+            <a:cxnLst>
+              <a:cxn ang="0">
+                <a:pos x="connsiteX0" y="connsiteY0"/>
+              </a:cxn>
+              <a:cxn ang="0">
+                <a:pos x="connsiteX1" y="connsiteY1"/>
+              </a:cxn>
+              <a:cxn ang="0">
+                <a:pos x="connsiteX2" y="connsiteY2"/>
+              </a:cxn>
+              <a:cxn ang="0">
+                <a:pos x="connsiteX3" y="connsiteY3"/>
+              </a:cxn>
+              <a:cxn ang="0">
+                <a:pos x="connsiteX4" y="connsiteY4"/>
+              </a:cxn>
+              <a:cxn ang="0">
+                <a:pos x="connsiteX5" y="connsiteY5"/>
+              </a:cxn>
+              <a:cxn ang="0">
+                <a:pos x="connsiteX6" y="connsiteY6"/>
+              </a:cxn>
+            </a:cxnLst>
+            <a:rect l="l" t="t" r="r" b="b"/>
+            <a:pathLst>
+              <a:path w="3960193" h="2251543">
+                <a:moveTo>
+                  <a:pt x="20753" y="0"/>
+                </a:moveTo>
+                <a:lnTo>
+                  <a:pt x="3939440" y="0"/>
+                </a:lnTo>
+                <a:lnTo>
+                  <a:pt x="3949969" y="68994"/>
+                </a:lnTo>
+                <a:cubicBezTo>
+                  <a:pt x="3956730" y="135559"/>
+                  <a:pt x="3960193" y="203099"/>
+                  <a:pt x="3960193" y="271447"/>
+                </a:cubicBezTo>
+                <a:cubicBezTo>
+                  <a:pt x="3960193" y="1365024"/>
+                  <a:pt x="3073674" y="2251543"/>
+                  <a:pt x="1980096" y="2251543"/>
+                </a:cubicBezTo>
+                <a:cubicBezTo>
+                  <a:pt x="886519" y="2251543"/>
+                  <a:pt x="0" y="1365024"/>
+                  <a:pt x="0" y="271447"/>
+                </a:cubicBezTo>
+                <a:cubicBezTo>
+                  <a:pt x="0" y="203099"/>
+                  <a:pt x="3463" y="135559"/>
+                  <a:pt x="10224" y="68994"/>
+                </a:cubicBezTo>
+                <a:close/>
+              </a:path>
+            </a:pathLst>
+          </a:custGeom>
+          <a:solidFill>
+            <a:srgbClr val="FFFFFF"/>
+          </a:solidFill>
+          <a:ln>
+            <a:gradFill>
+              <a:gsLst>
+                <a:gs pos="0">
+                  <a:schemeClr val="accent1">
+                    <a:lumMod val="40000"/>
+                    <a:lumOff val="60000"/>
+                  </a:schemeClr>
+                </a:gs>
+                <a:gs pos="23000">
+                  <a:schemeClr val="accent1">
+                    <a:lumMod val="45000"/>
+                    <a:lumOff val="55000"/>
+                  </a:schemeClr>
+                </a:gs>
+                <a:gs pos="83000">
+                  <a:schemeClr val="bg2">
+                    <a:lumMod val="75000"/>
+                  </a:schemeClr>
+                </a:gs>
+                <a:gs pos="100000">
+                  <a:schemeClr val="bg2">
+                    <a:lumMod val="75000"/>
+                  </a:schemeClr>
+                </a:gs>
+              </a:gsLst>
+              <a:lin ang="5400000" scaled="1"/>
+            </a:gradFill>
+          </a:ln>
+        </p:spPr>
+        <p:style>
+          <a:lnRef idx="2">
+            <a:schemeClr val="accent1">
+              <a:shade val="50000"/>
+            </a:schemeClr>
+          </a:lnRef>
+          <a:fillRef idx="1">
+            <a:schemeClr val="accent1"/>
+          </a:fillRef>
+          <a:effectRef idx="0">
+            <a:schemeClr val="accent1"/>
+          </a:effectRef>
+          <a:fontRef idx="minor">
+            <a:schemeClr val="lt1"/>
+          </a:fontRef>
+        </p:style>
+        <p:txBody>
+          <a:bodyPr wrap="square" rtlCol="0" anchor="ctr">
+            <a:noAutofit/>
+          </a:bodyPr>
+          <a:lstStyle/>
+          <a:p>
+            <a:pPr algn="ctr"/>
+            <a:endParaRPr lang="en-US"/>
+          </a:p>
+        </p:txBody>
+      </p:sp>
+      <p:sp>
+        <p:nvSpPr>
+          <p:cNvPr id="16" name="Freeform 68">
+            <a:extLst>
+              <a:ext uri="{FF2B5EF4-FFF2-40B4-BE49-F238E27FC236}">
+                <a16:creationId xmlns:a16="http://schemas.microsoft.com/office/drawing/2014/main" id="{32BA8EA8-C1B6-4309-B674-F9F399B96288}"/>
+              </a:ext>
+              <a:ext uri="{C183D7F6-B498-43B3-948B-1728B52AA6E4}">
+                <adec:decorative xmlns="" xmlns:adec="http://schemas.microsoft.com/office/drawing/2017/decorative" val="1"/>
+              </a:ext>
+            </a:extLst>
+          </p:cNvPr>
+          <p:cNvSpPr>
+            <a:spLocks noGrp="1" noRot="1" noChangeAspect="1" noMove="1" noResize="1" noEditPoints="1" noAdjustHandles="1" noChangeArrowheads="1" noChangeShapeType="1" noTextEdit="1"/>
+          </p:cNvSpPr>
+          <p:nvPr>
+            <p:extLst>
+              <p:ext uri="{386F3935-93C4-4BCD-93E2-E3B085C9AB24}">
+                <p16:designElem xmlns:p16="http://schemas.microsoft.com/office/powerpoint/2015/main" val="1"/>
+              </p:ext>
+            </p:extLst>
+          </p:nvPr>
+        </p:nvSpPr>
+        <p:spPr>
+          <a:xfrm>
+            <a:off x="0" y="2912701"/>
+            <a:ext cx="4942589" cy="3945299"/>
+          </a:xfrm>
+          <a:custGeom>
+            <a:avLst/>
+            <a:gdLst>
+              <a:gd name="connsiteX0" fmla="*/ 2223943 w 4942589"/>
+              <a:gd name="connsiteY0" fmla="*/ 0 h 3945299"/>
+              <a:gd name="connsiteX1" fmla="*/ 4942589 w 4942589"/>
+              <a:gd name="connsiteY1" fmla="*/ 2718646 h 3945299"/>
+              <a:gd name="connsiteX2" fmla="*/ 4728945 w 4942589"/>
+              <a:gd name="connsiteY2" fmla="*/ 3776866 h 3945299"/>
+              <a:gd name="connsiteX3" fmla="*/ 4647806 w 4942589"/>
+              <a:gd name="connsiteY3" fmla="*/ 3945299 h 3945299"/>
+              <a:gd name="connsiteX4" fmla="*/ 0 w 4942589"/>
+              <a:gd name="connsiteY4" fmla="*/ 3945299 h 3945299"/>
+              <a:gd name="connsiteX5" fmla="*/ 0 w 4942589"/>
+              <a:gd name="connsiteY5" fmla="*/ 1157971 h 3945299"/>
+              <a:gd name="connsiteX6" fmla="*/ 126104 w 4942589"/>
+              <a:gd name="connsiteY6" fmla="*/ 989335 h 3945299"/>
+              <a:gd name="connsiteX7" fmla="*/ 2223943 w 4942589"/>
+              <a:gd name="connsiteY7" fmla="*/ 0 h 3945299"/>
+            </a:gdLst>
+            <a:ahLst/>
+            <a:cxnLst>
+              <a:cxn ang="0">
+                <a:pos x="connsiteX0" y="connsiteY0"/>
+              </a:cxn>
+              <a:cxn ang="0">
+                <a:pos x="connsiteX1" y="connsiteY1"/>
+              </a:cxn>
+              <a:cxn ang="0">
+                <a:pos x="connsiteX2" y="connsiteY2"/>
+              </a:cxn>
+              <a:cxn ang="0">
+                <a:pos x="connsiteX3" y="connsiteY3"/>
+              </a:cxn>
+              <a:cxn ang="0">
+                <a:pos x="connsiteX4" y="connsiteY4"/>
+              </a:cxn>
+              <a:cxn ang="0">
+                <a:pos x="connsiteX5" y="connsiteY5"/>
+              </a:cxn>
+              <a:cxn ang="0">
+                <a:pos x="connsiteX6" y="connsiteY6"/>
+              </a:cxn>
+              <a:cxn ang="0">
+                <a:pos x="connsiteX7" y="connsiteY7"/>
+              </a:cxn>
+            </a:cxnLst>
+            <a:rect l="l" t="t" r="r" b="b"/>
+            <a:pathLst>
+              <a:path w="4942589" h="3945299">
+                <a:moveTo>
+                  <a:pt x="2223943" y="0"/>
+                </a:moveTo>
+                <a:cubicBezTo>
+                  <a:pt x="3725410" y="0"/>
+                  <a:pt x="4942589" y="1217179"/>
+                  <a:pt x="4942589" y="2718646"/>
+                </a:cubicBezTo>
+                <a:cubicBezTo>
+                  <a:pt x="4942589" y="3094013"/>
+                  <a:pt x="4866516" y="3451612"/>
+                  <a:pt x="4728945" y="3776866"/>
+                </a:cubicBezTo>
+                <a:lnTo>
+                  <a:pt x="4647806" y="3945299"/>
+                </a:lnTo>
+                <a:lnTo>
+                  <a:pt x="0" y="3945299"/>
+                </a:lnTo>
+                <a:lnTo>
+                  <a:pt x="0" y="1157971"/>
+                </a:lnTo>
+                <a:lnTo>
+                  <a:pt x="126104" y="989335"/>
+                </a:lnTo>
+                <a:cubicBezTo>
+                  <a:pt x="624744" y="385123"/>
+                  <a:pt x="1379368" y="0"/>
+                  <a:pt x="2223943" y="0"/>
+                </a:cubicBezTo>
+                <a:close/>
+              </a:path>
+            </a:pathLst>
+          </a:custGeom>
+          <a:solidFill>
+            <a:srgbClr val="FFFFFF"/>
+          </a:solidFill>
+          <a:ln>
+            <a:gradFill>
+              <a:gsLst>
+                <a:gs pos="0">
+                  <a:schemeClr val="accent1">
+                    <a:lumMod val="40000"/>
+                    <a:lumOff val="60000"/>
+                  </a:schemeClr>
+                </a:gs>
+                <a:gs pos="23000">
+                  <a:schemeClr val="accent1">
+                    <a:lumMod val="45000"/>
+                    <a:lumOff val="55000"/>
+                  </a:schemeClr>
+                </a:gs>
+                <a:gs pos="83000">
+                  <a:schemeClr val="bg2">
+                    <a:lumMod val="75000"/>
+                  </a:schemeClr>
+                </a:gs>
+                <a:gs pos="100000">
+                  <a:schemeClr val="bg2">
+                    <a:lumMod val="75000"/>
+                  </a:schemeClr>
+                </a:gs>
+              </a:gsLst>
+              <a:lin ang="5400000" scaled="1"/>
+            </a:gradFill>
+          </a:ln>
+        </p:spPr>
+        <p:style>
+          <a:lnRef idx="2">
+            <a:schemeClr val="accent1">
+              <a:shade val="50000"/>
+            </a:schemeClr>
+          </a:lnRef>
+          <a:fillRef idx="1">
+            <a:schemeClr val="accent1"/>
+          </a:fillRef>
+          <a:effectRef idx="0">
+            <a:schemeClr val="accent1"/>
+          </a:effectRef>
+          <a:fontRef idx="minor">
+            <a:schemeClr val="lt1"/>
+          </a:fontRef>
+        </p:style>
+        <p:txBody>
+          <a:bodyPr wrap="square" rtlCol="0" anchor="ctr">
+            <a:noAutofit/>
+          </a:bodyPr>
+          <a:lstStyle/>
+          <a:p>
+            <a:pPr algn="ctr"/>
+            <a:endParaRPr lang="en-US"/>
+          </a:p>
+        </p:txBody>
+      </p:sp>
+      <p:pic>
+        <p:nvPicPr>
+          <p:cNvPr id="4" name="Image 3"/>
+          <p:cNvPicPr>
+            <a:picLocks noChangeAspect="1"/>
+          </p:cNvPicPr>
+          <p:nvPr/>
+        </p:nvPicPr>
+        <p:blipFill>
+          <a:blip r:embed="rId3"/>
+          <a:stretch>
+            <a:fillRect/>
+          </a:stretch>
+        </p:blipFill>
+        <p:spPr>
+          <a:xfrm>
+            <a:off x="131691" y="5006342"/>
+            <a:ext cx="4514450" cy="553658"/>
+          </a:xfrm>
+          <a:prstGeom prst="rect">
+            <a:avLst/>
+          </a:prstGeom>
+        </p:spPr>
+      </p:pic>
+      <p:pic>
+        <p:nvPicPr>
+          <p:cNvPr id="5" name="Image 4"/>
+          <p:cNvPicPr>
+            <a:picLocks noChangeAspect="1"/>
+          </p:cNvPicPr>
+          <p:nvPr/>
+        </p:nvPicPr>
+        <p:blipFill>
+          <a:blip r:embed="rId4"/>
+          <a:stretch>
+            <a:fillRect/>
+          </a:stretch>
+        </p:blipFill>
+        <p:spPr>
+          <a:xfrm>
+            <a:off x="2328619" y="196745"/>
+            <a:ext cx="2663786" cy="1212420"/>
+          </a:xfrm>
+          <a:prstGeom prst="rect">
+            <a:avLst/>
+          </a:prstGeom>
+        </p:spPr>
+      </p:pic>
       <p:sp>
         <p:nvSpPr>
           <p:cNvPr id="3" name="Espace réservé du contenu 2">
             <a:extLst>
               <a:ext uri="{FF2B5EF4-FFF2-40B4-BE49-F238E27FC236}">
-                <a16:creationId xmlns:a16="http://schemas.microsoft.com/office/drawing/2014/main" id="{22A04EB2-F153-4E1B-B8C1-9EAC511BCAC9}"/>
+                <a16:creationId xmlns:a16="http://schemas.microsoft.com/office/drawing/2014/main" id="{F223BFA0-C536-4169-BAB2-1E409C598FEA}"/>
               </a:ext>
             </a:extLst>
           </p:cNvPr>
@@ -7894,54 +10492,407 @@
             <p:ph idx="1"/>
           </p:nvPr>
         </p:nvSpPr>
-        <p:spPr/>
+        <p:spPr>
+          <a:xfrm>
+            <a:off x="6090574" y="2421682"/>
+            <a:ext cx="4977578" cy="3639289"/>
+          </a:xfrm>
+        </p:spPr>
         <p:txBody>
-          <a:bodyPr/>
+          <a:bodyPr anchor="ctr">
+            <a:normAutofit/>
+          </a:bodyPr>
           <a:lstStyle/>
           <a:p>
             <a:r>
-              <a:rPr lang="fr-CH" dirty="0"/>
-              <a:t>Passage BDD test vers BDD réelle</a:t>
-            </a:r>
-          </a:p>
-          <a:p>
-            <a:r>
-              <a:rPr lang="fr-CH" dirty="0"/>
-              <a:t>Interaction avec l'API:</a:t>
+              <a:rPr lang="fr-CH" sz="2000">
+                <a:solidFill>
+                  <a:srgbClr val="000000"/>
+                </a:solidFill>
+              </a:rPr>
+              <a:t>Jonction principale databaselink</a:t>
+            </a:r>
+            <a:r>
+              <a:rPr lang="de-CH" sz="2000">
+                <a:solidFill>
+                  <a:srgbClr val="000000"/>
+                </a:solidFill>
+              </a:rPr>
+              <a:t>:</a:t>
             </a:r>
           </a:p>
           <a:p>
             <a:pPr lvl="1"/>
             <a:r>
-              <a:rPr lang="fr-CH" dirty="0"/>
-              <a:t>Trouver les bon champs</a:t>
+              <a:rPr lang="fr-FR" sz="2000">
+                <a:solidFill>
+                  <a:srgbClr val="000000"/>
+                </a:solidFill>
+              </a:rPr>
+              <a:t>Connexion</a:t>
+            </a:r>
+            <a:r>
+              <a:rPr lang="de-CH" sz="2000">
+                <a:solidFill>
+                  <a:srgbClr val="000000"/>
+                </a:solidFill>
+              </a:rPr>
+              <a:t> </a:t>
+            </a:r>
+            <a:r>
+              <a:rPr lang="fr-FR" sz="2000">
+                <a:solidFill>
+                  <a:srgbClr val="000000"/>
+                </a:solidFill>
+              </a:rPr>
+              <a:t>à la base</a:t>
             </a:r>
           </a:p>
           <a:p>
             <a:pPr lvl="1"/>
             <a:r>
-              <a:rPr lang="fr-CH" dirty="0"/>
-              <a:t>Formater les champs </a:t>
+              <a:rPr lang="fr-CH" sz="2000">
+                <a:solidFill>
+                  <a:srgbClr val="000000"/>
+                </a:solidFill>
+              </a:rPr>
+              <a:t>Envoie de requêtes (Select &amp; Insert)</a:t>
             </a:r>
           </a:p>
           <a:p>
             <a:pPr lvl="1"/>
             <a:r>
-              <a:rPr lang="fr-CH" dirty="0"/>
-              <a:t>Insérer </a:t>
-            </a:r>
-            <a:r>
-              <a:rPr lang="fr-CH"/>
-              <a:t>les champs dans la BDD</a:t>
-            </a:r>
-            <a:endParaRPr lang="de-CH"/>
+              <a:rPr lang="fr-CH" sz="2000">
+                <a:solidFill>
+                  <a:srgbClr val="000000"/>
+                </a:solidFill>
+              </a:rPr>
+              <a:t>Fermer la connexion</a:t>
+            </a:r>
+          </a:p>
+          <a:p>
+            <a:r>
+              <a:rPr lang="fr-CH" sz="2000">
+                <a:solidFill>
+                  <a:srgbClr val="000000"/>
+                </a:solidFill>
+              </a:rPr>
+              <a:t>Permet de compléter le main:</a:t>
+            </a:r>
+          </a:p>
+          <a:p>
+            <a:pPr lvl="1"/>
+            <a:r>
+              <a:rPr lang="fr-CH" sz="2000">
+                <a:solidFill>
+                  <a:srgbClr val="000000"/>
+                </a:solidFill>
+              </a:rPr>
+              <a:t>Les menus : afficher les noms des catégories ou aliments et avoir leurs ID.</a:t>
+            </a:r>
+          </a:p>
+          <a:p>
+            <a:pPr lvl="1"/>
+            <a:r>
+              <a:rPr lang="fr-CH" sz="2000">
+                <a:solidFill>
+                  <a:srgbClr val="000000"/>
+                </a:solidFill>
+              </a:rPr>
+              <a:t>Finalisation du processus de recherche</a:t>
+            </a:r>
+          </a:p>
+          <a:p>
+            <a:pPr lvl="2"/>
+            <a:endParaRPr lang="fr-CH">
+              <a:solidFill>
+                <a:srgbClr val="000000"/>
+              </a:solidFill>
+            </a:endParaRPr>
           </a:p>
         </p:txBody>
       </p:sp>
     </p:spTree>
     <p:extLst>
       <p:ext uri="{BB962C8B-B14F-4D97-AF65-F5344CB8AC3E}">
-        <p14:creationId xmlns:p14="http://schemas.microsoft.com/office/powerpoint/2010/main" val="2498444716"/>
+        <p14:creationId xmlns:p14="http://schemas.microsoft.com/office/powerpoint/2010/main" val="1179560971"/>
+      </p:ext>
+    </p:extLst>
+  </p:cSld>
+  <p:clrMapOvr>
+    <a:masterClrMapping/>
+  </p:clrMapOvr>
+</p:sld>
+</file>
+
+<file path=ppt/slides/slide9.xml><?xml version="1.0" encoding="utf-8"?>
+<p:sld xmlns:a="http://schemas.openxmlformats.org/drawingml/2006/main" xmlns:r="http://schemas.openxmlformats.org/officeDocument/2006/relationships" xmlns:p="http://schemas.openxmlformats.org/presentationml/2006/main">
+  <p:cSld>
+    <p:bg>
+      <p:bgPr>
+        <a:solidFill>
+          <a:schemeClr val="bg1"/>
+        </a:solidFill>
+        <a:effectLst/>
+      </p:bgPr>
+    </p:bg>
+    <p:spTree>
+      <p:nvGrpSpPr>
+        <p:cNvPr id="1" name=""/>
+        <p:cNvGrpSpPr/>
+        <p:nvPr/>
+      </p:nvGrpSpPr>
+      <p:grpSpPr>
+        <a:xfrm>
+          <a:off x="0" y="0"/>
+          <a:ext cx="0" cy="0"/>
+          <a:chOff x="0" y="0"/>
+          <a:chExt cx="0" cy="0"/>
+        </a:xfrm>
+      </p:grpSpPr>
+      <p:sp>
+        <p:nvSpPr>
+          <p:cNvPr id="11" name="Rectangle 9">
+            <a:extLst>
+              <a:ext uri="{FF2B5EF4-FFF2-40B4-BE49-F238E27FC236}">
+                <a16:creationId xmlns:a16="http://schemas.microsoft.com/office/drawing/2014/main" id="{E02F3C71-C981-4614-98EA-D6C494F8091E}"/>
+              </a:ext>
+              <a:ext uri="{C183D7F6-B498-43B3-948B-1728B52AA6E4}">
+                <adec:decorative xmlns="" xmlns:adec="http://schemas.microsoft.com/office/drawing/2017/decorative" val="1"/>
+              </a:ext>
+            </a:extLst>
+          </p:cNvPr>
+          <p:cNvSpPr>
+            <a:spLocks noGrp="1" noRot="1" noChangeAspect="1" noMove="1" noResize="1" noEditPoints="1" noAdjustHandles="1" noChangeArrowheads="1" noChangeShapeType="1" noTextEdit="1"/>
+          </p:cNvSpPr>
+          <p:nvPr>
+            <p:extLst>
+              <p:ext uri="{386F3935-93C4-4BCD-93E2-E3B085C9AB24}">
+                <p16:designElem xmlns:p16="http://schemas.microsoft.com/office/powerpoint/2015/main" val="1"/>
+              </p:ext>
+            </p:extLst>
+          </p:nvPr>
+        </p:nvSpPr>
+        <p:spPr bwMode="ltGray">
+          <a:xfrm>
+            <a:off x="336883" y="321176"/>
+            <a:ext cx="7174247" cy="5896743"/>
+          </a:xfrm>
+          <a:prstGeom prst="rect">
+            <a:avLst/>
+          </a:prstGeom>
+          <a:solidFill>
+            <a:schemeClr val="tx1">
+              <a:alpha val="15000"/>
+            </a:schemeClr>
+          </a:solidFill>
+          <a:ln w="127000" cap="sq" cmpd="thinThick">
+            <a:solidFill>
+              <a:schemeClr val="tx1">
+                <a:alpha val="10000"/>
+              </a:schemeClr>
+            </a:solidFill>
+          </a:ln>
+        </p:spPr>
+        <p:style>
+          <a:lnRef idx="2">
+            <a:schemeClr val="accent1">
+              <a:shade val="50000"/>
+            </a:schemeClr>
+          </a:lnRef>
+          <a:fillRef idx="1">
+            <a:schemeClr val="accent1"/>
+          </a:fillRef>
+          <a:effectRef idx="0">
+            <a:schemeClr val="accent1"/>
+          </a:effectRef>
+          <a:fontRef idx="minor">
+            <a:schemeClr val="lt1"/>
+          </a:fontRef>
+        </p:style>
+        <p:txBody>
+          <a:bodyPr rtlCol="0" anchor="ctr"/>
+          <a:lstStyle/>
+          <a:p>
+            <a:pPr algn="ctr"/>
+            <a:endParaRPr lang="en-US"/>
+          </a:p>
+        </p:txBody>
+      </p:sp>
+      <p:sp>
+        <p:nvSpPr>
+          <p:cNvPr id="2" name="Titre 1">
+            <a:extLst>
+              <a:ext uri="{FF2B5EF4-FFF2-40B4-BE49-F238E27FC236}">
+                <a16:creationId xmlns:a16="http://schemas.microsoft.com/office/drawing/2014/main" id="{47700C6A-DC8D-481C-A8EA-497F377F584D}"/>
+              </a:ext>
+            </a:extLst>
+          </p:cNvPr>
+          <p:cNvSpPr>
+            <a:spLocks noGrp="1"/>
+          </p:cNvSpPr>
+          <p:nvPr>
+            <p:ph type="title"/>
+          </p:nvPr>
+        </p:nvSpPr>
+        <p:spPr>
+          <a:xfrm>
+            <a:off x="821516" y="640263"/>
+            <a:ext cx="6204984" cy="1344975"/>
+          </a:xfrm>
+        </p:spPr>
+        <p:txBody>
+          <a:bodyPr>
+            <a:normAutofit/>
+          </a:bodyPr>
+          <a:lstStyle/>
+          <a:p>
+            <a:r>
+              <a:rPr lang="fr-CH" sz="4000"/>
+              <a:t>Interagir avec la base de données</a:t>
+            </a:r>
+            <a:endParaRPr lang="de-CH" sz="4000"/>
+          </a:p>
+        </p:txBody>
+      </p:sp>
+      <p:sp>
+        <p:nvSpPr>
+          <p:cNvPr id="3" name="Espace réservé du contenu 2">
+            <a:extLst>
+              <a:ext uri="{FF2B5EF4-FFF2-40B4-BE49-F238E27FC236}">
+                <a16:creationId xmlns:a16="http://schemas.microsoft.com/office/drawing/2014/main" id="{7541B332-1441-435B-B8E0-03CDCAD5BFB8}"/>
+              </a:ext>
+            </a:extLst>
+          </p:cNvPr>
+          <p:cNvSpPr>
+            <a:spLocks noGrp="1"/>
+          </p:cNvSpPr>
+          <p:nvPr>
+            <p:ph idx="1"/>
+          </p:nvPr>
+        </p:nvSpPr>
+        <p:spPr>
+          <a:xfrm>
+            <a:off x="821515" y="2121762"/>
+            <a:ext cx="6204984" cy="3626917"/>
+          </a:xfrm>
+        </p:spPr>
+        <p:txBody>
+          <a:bodyPr>
+            <a:normAutofit/>
+          </a:bodyPr>
+          <a:lstStyle/>
+          <a:p>
+            <a:r>
+              <a:rPr lang="fr-CH" sz="1700"/>
+              <a:t>Processus de recherche:</a:t>
+            </a:r>
+          </a:p>
+          <a:p>
+            <a:pPr lvl="1"/>
+            <a:r>
+              <a:rPr lang="fr-CH" sz="1700"/>
+              <a:t>Composé des deux fonctions principales.</a:t>
+            </a:r>
+          </a:p>
+          <a:p>
+            <a:pPr lvl="1"/>
+            <a:r>
+              <a:rPr lang="fr-CH" sz="1700"/>
+              <a:t>Une fonction qui cherche un subsitut suivant une condition</a:t>
+            </a:r>
+          </a:p>
+          <a:p>
+            <a:pPr lvl="1"/>
+            <a:r>
+              <a:rPr lang="fr-CH" sz="1700"/>
+              <a:t>Une fonction qui traite le résultat obtenu:</a:t>
+            </a:r>
+          </a:p>
+          <a:p>
+            <a:pPr lvl="2"/>
+            <a:r>
+              <a:rPr lang="fr-CH" sz="1700"/>
+              <a:t>Un substitut avec une meilleure note est trouvé -&gt; on continu le processus</a:t>
+            </a:r>
+            <a:endParaRPr lang="de-CH" sz="1700"/>
+          </a:p>
+          <a:p>
+            <a:pPr lvl="2"/>
+            <a:r>
+              <a:rPr lang="fr-CH" sz="1700"/>
+              <a:t>Aucun substitut avec une meilleure note n'est trouvé -&gt; relancer la recherche pour un substitut de même valeur</a:t>
+            </a:r>
+            <a:endParaRPr lang="de-CH" sz="1700"/>
+          </a:p>
+          <a:p>
+            <a:pPr lvl="2"/>
+            <a:r>
+              <a:rPr lang="fr-CH" sz="1700"/>
+              <a:t>Aucun substitut avec une même valeur n'est trouvé -&gt; relancer la recherche pour un substitut de valeur inférieur</a:t>
+            </a:r>
+            <a:endParaRPr lang="de-CH" sz="1700"/>
+          </a:p>
+          <a:p>
+            <a:pPr marL="0" indent="0">
+              <a:buNone/>
+            </a:pPr>
+            <a:endParaRPr lang="de-CH" sz="1700"/>
+          </a:p>
+        </p:txBody>
+      </p:sp>
+      <p:pic>
+        <p:nvPicPr>
+          <p:cNvPr id="4" name="Image 3"/>
+          <p:cNvPicPr>
+            <a:picLocks noChangeAspect="1"/>
+          </p:cNvPicPr>
+          <p:nvPr/>
+        </p:nvPicPr>
+        <p:blipFill>
+          <a:blip r:embed="rId2"/>
+          <a:stretch>
+            <a:fillRect/>
+          </a:stretch>
+        </p:blipFill>
+        <p:spPr>
+          <a:xfrm>
+            <a:off x="8117649" y="306909"/>
+            <a:ext cx="3466213" cy="2286000"/>
+          </a:xfrm>
+          <a:prstGeom prst="rect">
+            <a:avLst/>
+          </a:prstGeom>
+        </p:spPr>
+      </p:pic>
+      <p:pic>
+        <p:nvPicPr>
+          <p:cNvPr id="5" name="Image 4"/>
+          <p:cNvPicPr>
+            <a:picLocks noChangeAspect="1"/>
+          </p:cNvPicPr>
+          <p:nvPr/>
+        </p:nvPicPr>
+        <p:blipFill>
+          <a:blip r:embed="rId3"/>
+          <a:stretch>
+            <a:fillRect/>
+          </a:stretch>
+        </p:blipFill>
+        <p:spPr>
+          <a:xfrm>
+            <a:off x="8076414" y="2828925"/>
+            <a:ext cx="3548684" cy="3388994"/>
+          </a:xfrm>
+          <a:prstGeom prst="rect">
+            <a:avLst/>
+          </a:prstGeom>
+        </p:spPr>
+      </p:pic>
+    </p:spTree>
+    <p:extLst>
+      <p:ext uri="{BB962C8B-B14F-4D97-AF65-F5344CB8AC3E}">
+        <p14:creationId xmlns:p14="http://schemas.microsoft.com/office/powerpoint/2010/main" val="881176456"/>
       </p:ext>
     </p:extLst>
   </p:cSld>
